--- a/Panorama-Stitching-base-on-SIFT/pre/SIFT.pptx
+++ b/Panorama-Stitching-base-on-SIFT/pre/SIFT.pptx
@@ -5,7 +5,7 @@
     <p:sldMasterId id="2147483648" r:id="rId1"/>
   </p:sldMasterIdLst>
   <p:notesMasterIdLst>
-    <p:notesMasterId r:id="rId13"/>
+    <p:notesMasterId r:id="rId14"/>
   </p:notesMasterIdLst>
   <p:sldIdLst>
     <p:sldId id="257" r:id="rId2"/>
@@ -19,6 +19,7 @@
     <p:sldId id="266" r:id="rId10"/>
     <p:sldId id="267" r:id="rId11"/>
     <p:sldId id="268" r:id="rId12"/>
+    <p:sldId id="269" r:id="rId13"/>
   </p:sldIdLst>
   <p:sldSz cx="12192000" cy="6858000"/>
   <p:notesSz cx="6858000" cy="9144000"/>
@@ -529,199 +530,274 @@
           <a:bodyPr/>
           <a:lstStyle/>
           <a:p>
-            <a:pPr marL="0" marR="0" lvl="0" indent="0" algn="l" defTabSz="914400" rtl="0" eaLnBrk="1" fontAlgn="auto" latinLnBrk="0" hangingPunct="1">
-              <a:lnSpc>
-                <a:spcPct val="100000"/>
-              </a:lnSpc>
-              <a:spcBef>
-                <a:spcPts val="0"/>
-              </a:spcBef>
-              <a:spcAft>
-                <a:spcPts val="0"/>
-              </a:spcAft>
-              <a:buClrTx/>
-              <a:buSzTx/>
-              <a:buFontTx/>
-              <a:buNone/>
-              <a:tabLst/>
-              <a:defRPr/>
-            </a:pPr>
-            <a:r>
-              <a:rPr kumimoji="1" lang="en-US" altLang="zh-CN" dirty="0"/>
-              <a:t>1.</a:t>
-            </a:r>
-            <a:r>
-              <a:rPr lang="zh-CN" altLang="en-US" dirty="0"/>
-              <a:t>用不同的</a:t>
-            </a:r>
-            <a:r>
-              <a:rPr lang="en-US" altLang="zh-CN" dirty="0"/>
+            <a:r>
+              <a:rPr lang="zh-CN" altLang="en-US" sz="1200" b="0" i="0" u="none" strike="noStrike" kern="1200" dirty="0">
+                <a:solidFill>
+                  <a:schemeClr val="tx1"/>
+                </a:solidFill>
+                <a:effectLst/>
+                <a:latin typeface="+mn-lt"/>
+                <a:ea typeface="+mn-ea"/>
+                <a:cs typeface="+mn-cs"/>
+              </a:rPr>
+              <a:t>首先我来简单介绍一下</a:t>
+            </a:r>
+            <a:r>
+              <a:rPr lang="en-US" altLang="zh-CN" sz="1200" b="0" i="0" u="none" strike="noStrike" kern="1200" dirty="0">
+                <a:solidFill>
+                  <a:schemeClr val="tx1"/>
+                </a:solidFill>
+                <a:effectLst/>
+                <a:latin typeface="+mn-lt"/>
+                <a:ea typeface="+mn-ea"/>
+                <a:cs typeface="+mn-cs"/>
+              </a:rPr>
+              <a:t>sift</a:t>
+            </a:r>
+            <a:r>
+              <a:rPr lang="zh-CN" altLang="en-US" sz="1200" b="0" i="0" u="none" strike="noStrike" kern="1200" dirty="0">
+                <a:solidFill>
+                  <a:schemeClr val="tx1"/>
+                </a:solidFill>
+                <a:effectLst/>
+                <a:latin typeface="+mn-lt"/>
+                <a:ea typeface="+mn-ea"/>
+                <a:cs typeface="+mn-cs"/>
+              </a:rPr>
+              <a:t>的基本流程，因为这部分老师在课堂上介绍过，所以我不会过多复述讲过的部分。</a:t>
+            </a:r>
+          </a:p>
+          <a:p>
+            <a:r>
+              <a:rPr lang="en-US" altLang="zh-CN" sz="1200" b="0" i="0" u="none" strike="noStrike" kern="1200" dirty="0">
+                <a:solidFill>
+                  <a:schemeClr val="tx1"/>
+                </a:solidFill>
+                <a:effectLst/>
+                <a:latin typeface="+mn-lt"/>
+                <a:ea typeface="+mn-ea"/>
+                <a:cs typeface="+mn-cs"/>
+              </a:rPr>
+              <a:t>sift</a:t>
+            </a:r>
+            <a:r>
+              <a:rPr lang="zh-CN" altLang="en-US" sz="1200" b="0" i="0" u="none" strike="noStrike" kern="1200" dirty="0">
+                <a:solidFill>
+                  <a:schemeClr val="tx1"/>
+                </a:solidFill>
+                <a:effectLst/>
+                <a:latin typeface="+mn-lt"/>
+                <a:ea typeface="+mn-ea"/>
+                <a:cs typeface="+mn-cs"/>
+              </a:rPr>
+              <a:t>的基本流程包括三个部分：</a:t>
+            </a:r>
+          </a:p>
+          <a:p>
+            <a:r>
+              <a:rPr lang="zh-CN" altLang="en-US" sz="1200" b="0" i="0" u="none" strike="noStrike" kern="1200" dirty="0">
+                <a:solidFill>
+                  <a:schemeClr val="tx1"/>
+                </a:solidFill>
+                <a:effectLst/>
+                <a:latin typeface="+mn-lt"/>
+                <a:ea typeface="+mn-ea"/>
+                <a:cs typeface="+mn-cs"/>
+              </a:rPr>
+              <a:t>建立高斯金字塔</a:t>
+            </a:r>
+          </a:p>
+          <a:p>
+            <a:r>
+              <a:rPr lang="zh-CN" altLang="en-US" sz="1200" b="0" i="0" u="none" strike="noStrike" kern="1200" dirty="0">
+                <a:solidFill>
+                  <a:schemeClr val="tx1"/>
+                </a:solidFill>
+                <a:effectLst/>
+                <a:latin typeface="+mn-lt"/>
+                <a:ea typeface="+mn-ea"/>
+                <a:cs typeface="+mn-cs"/>
+              </a:rPr>
+              <a:t>极值点的定位</a:t>
+            </a:r>
+          </a:p>
+          <a:p>
+            <a:r>
+              <a:rPr lang="zh-CN" altLang="en-US" sz="1200" b="0" i="0" u="none" strike="noStrike" kern="1200" dirty="0">
+                <a:solidFill>
+                  <a:schemeClr val="tx1"/>
+                </a:solidFill>
+                <a:effectLst/>
+                <a:latin typeface="+mn-lt"/>
+                <a:ea typeface="+mn-ea"/>
+                <a:cs typeface="+mn-cs"/>
+              </a:rPr>
+              <a:t>确定关键点的主方向和描述子</a:t>
+            </a:r>
+          </a:p>
+          <a:p>
+            <a:r>
+              <a:rPr lang="zh-CN" altLang="en-US" sz="1200" b="0" i="0" u="none" strike="noStrike" kern="1200" dirty="0">
+                <a:solidFill>
+                  <a:schemeClr val="tx1"/>
+                </a:solidFill>
+                <a:effectLst/>
+                <a:latin typeface="+mn-lt"/>
+                <a:ea typeface="+mn-ea"/>
+                <a:cs typeface="+mn-cs"/>
+              </a:rPr>
+              <a:t>建立金字塔的过程包括用不同的</a:t>
+            </a:r>
+            <a:r>
+              <a:rPr lang="en-US" altLang="zh-CN" sz="1200" b="0" i="0" u="none" strike="noStrike" kern="1200" dirty="0">
+                <a:solidFill>
+                  <a:schemeClr val="tx1"/>
+                </a:solidFill>
+                <a:effectLst/>
+                <a:latin typeface="+mn-lt"/>
+                <a:ea typeface="+mn-ea"/>
+                <a:cs typeface="+mn-cs"/>
+              </a:rPr>
               <a:t>sigma</a:t>
             </a:r>
             <a:r>
-              <a:rPr lang="zh-CN" altLang="en-US" dirty="0"/>
-              <a:t>来进行高斯卷积    </a:t>
-            </a:r>
-            <a:r>
-              <a:rPr lang="en-US" altLang="zh-CN" dirty="0"/>
-              <a:t>-&gt;</a:t>
-            </a:r>
-            <a:r>
-              <a:rPr lang="zh-CN" altLang="en-US" dirty="0"/>
-              <a:t>   将原始图像不断降阶采样，得到一系列大小不一的图像</a:t>
-            </a:r>
-            <a:r>
-              <a:rPr kumimoji="1" lang="zh-CN" altLang="en-US" dirty="0"/>
-              <a:t>     </a:t>
-            </a:r>
-            <a:r>
-              <a:rPr kumimoji="1" lang="en-US" altLang="zh-CN" dirty="0"/>
-              <a:t>-〉</a:t>
-            </a:r>
-            <a:r>
-              <a:rPr kumimoji="1" lang="zh-CN" altLang="en-US" dirty="0"/>
-              <a:t>   </a:t>
-            </a:r>
-            <a:r>
-              <a:rPr lang="zh-CN" altLang="en-US" dirty="0"/>
-              <a:t>对同一个八度的两幅相邻的图像做差得到插值图像</a:t>
-            </a:r>
-            <a:endParaRPr kumimoji="1" lang="zh-CN" altLang="en-US" dirty="0"/>
-          </a:p>
-          <a:p>
-            <a:pPr marL="0" marR="0" lvl="0" indent="0" algn="l" defTabSz="914400" rtl="0" eaLnBrk="1" fontAlgn="auto" latinLnBrk="0" hangingPunct="1">
-              <a:lnSpc>
-                <a:spcPct val="100000"/>
-              </a:lnSpc>
-              <a:spcBef>
-                <a:spcPts val="0"/>
-              </a:spcBef>
-              <a:spcAft>
-                <a:spcPts val="0"/>
-              </a:spcAft>
-              <a:buClrTx/>
-              <a:buSzTx/>
-              <a:buFontTx/>
-              <a:buNone/>
-              <a:tabLst/>
-              <a:defRPr/>
-            </a:pPr>
-            <a:endParaRPr kumimoji="1" lang="zh-CN" altLang="en-US" dirty="0"/>
-          </a:p>
-          <a:p>
-            <a:pPr marL="0" marR="0" lvl="0" indent="0" algn="l" defTabSz="914400" rtl="0" eaLnBrk="1" fontAlgn="auto" latinLnBrk="0" hangingPunct="1">
-              <a:lnSpc>
-                <a:spcPct val="100000"/>
-              </a:lnSpc>
-              <a:spcBef>
-                <a:spcPts val="0"/>
-              </a:spcBef>
-              <a:spcAft>
-                <a:spcPts val="0"/>
-              </a:spcAft>
-              <a:buClrTx/>
-              <a:buSzTx/>
-              <a:buFontTx/>
-              <a:buNone/>
-              <a:tabLst/>
-              <a:defRPr/>
-            </a:pPr>
-            <a:r>
-              <a:rPr kumimoji="1" lang="en-US" altLang="zh-CN" dirty="0"/>
-              <a:t>2.</a:t>
-            </a:r>
-            <a:r>
-              <a:rPr kumimoji="1" lang="zh-CN" altLang="en-US" dirty="0"/>
-              <a:t> </a:t>
-            </a:r>
-            <a:r>
-              <a:rPr lang="en-US" altLang="zh-CN" dirty="0"/>
-              <a:t>SIFT</a:t>
-            </a:r>
-            <a:r>
-              <a:rPr lang="zh-CN" altLang="en-US" dirty="0"/>
-              <a:t>关键点是由</a:t>
-            </a:r>
-            <a:r>
-              <a:rPr lang="en-US" altLang="zh-CN" dirty="0"/>
+              <a:rPr lang="zh-CN" altLang="en-US" sz="1200" b="0" i="0" u="none" strike="noStrike" kern="1200" dirty="0">
+                <a:solidFill>
+                  <a:schemeClr val="tx1"/>
+                </a:solidFill>
+                <a:effectLst/>
+                <a:latin typeface="+mn-lt"/>
+                <a:ea typeface="+mn-ea"/>
+                <a:cs typeface="+mn-cs"/>
+              </a:rPr>
+              <a:t>来进行高斯卷积；将原始图像不断降阶采样，得到一系列大小不一的图像；对同一个八度的两幅相邻的图像做差得到插值图像。</a:t>
+            </a:r>
+          </a:p>
+          <a:p>
+            <a:r>
+              <a:rPr lang="zh-CN" altLang="en-US" sz="1200" b="0" i="0" u="none" strike="noStrike" kern="1200" dirty="0">
+                <a:solidFill>
+                  <a:schemeClr val="tx1"/>
+                </a:solidFill>
+                <a:effectLst/>
+                <a:latin typeface="+mn-lt"/>
+                <a:ea typeface="+mn-ea"/>
+                <a:cs typeface="+mn-cs"/>
+              </a:rPr>
+              <a:t>之后极值点的定位，则是由</a:t>
+            </a:r>
+            <a:r>
+              <a:rPr lang="en-US" altLang="zh-CN" sz="1200" b="0" i="0" u="none" strike="noStrike" kern="1200" dirty="0">
+                <a:solidFill>
+                  <a:schemeClr val="tx1"/>
+                </a:solidFill>
+                <a:effectLst/>
+                <a:latin typeface="+mn-lt"/>
+                <a:ea typeface="+mn-ea"/>
+                <a:cs typeface="+mn-cs"/>
+              </a:rPr>
               <a:t>DOG</a:t>
             </a:r>
             <a:r>
-              <a:rPr lang="zh-CN" altLang="en-US" dirty="0"/>
-              <a:t>空间的局部极值点组成的</a:t>
-            </a:r>
-            <a:r>
-              <a:rPr lang="en-US" altLang="zh-CN" dirty="0"/>
-              <a:t>.</a:t>
-            </a:r>
-            <a:r>
-              <a:rPr lang="zh-CN" altLang="en-US" dirty="0"/>
-              <a:t>以中心点进行</a:t>
-            </a:r>
-            <a:r>
-              <a:rPr lang="en-US" altLang="zh-CN" dirty="0"/>
+              <a:rPr lang="zh-CN" altLang="en-US" sz="1200" b="0" i="0" u="none" strike="noStrike" kern="1200" dirty="0">
+                <a:solidFill>
+                  <a:schemeClr val="tx1"/>
+                </a:solidFill>
+                <a:effectLst/>
+                <a:latin typeface="+mn-lt"/>
+                <a:ea typeface="+mn-ea"/>
+                <a:cs typeface="+mn-cs"/>
+              </a:rPr>
+              <a:t>空间的局部极值点组成的，以中心点进行的</a:t>
+            </a:r>
+            <a:r>
+              <a:rPr lang="en-US" altLang="zh-CN" sz="1200" b="0" i="0" u="none" strike="noStrike" kern="1200" dirty="0">
+                <a:solidFill>
+                  <a:schemeClr val="tx1"/>
+                </a:solidFill>
+                <a:effectLst/>
+                <a:latin typeface="+mn-lt"/>
+                <a:ea typeface="+mn-ea"/>
+                <a:cs typeface="+mn-cs"/>
+              </a:rPr>
               <a:t>3X3X3</a:t>
             </a:r>
             <a:r>
-              <a:rPr lang="zh-CN" altLang="en-US" dirty="0"/>
-              <a:t>的相邻点比较</a:t>
-            </a:r>
-            <a:r>
-              <a:rPr lang="en-US" altLang="zh-CN" dirty="0"/>
-              <a:t>,</a:t>
-            </a:r>
-            <a:r>
-              <a:rPr lang="zh-CN" altLang="en-US" dirty="0"/>
-              <a:t>检测其是否是图像域和尺度域的相邻点的极大值或极小值</a:t>
-            </a:r>
-            <a:r>
-              <a:rPr lang="en-US" altLang="zh-CN" dirty="0"/>
-              <a:t>.</a:t>
-            </a:r>
-            <a:endParaRPr kumimoji="1" lang="zh-CN" altLang="en-US" dirty="0"/>
-          </a:p>
-          <a:p>
-            <a:endParaRPr kumimoji="1" lang="en-US" altLang="zh-CN" dirty="0"/>
-          </a:p>
-          <a:p>
-            <a:pPr marL="0" marR="0" lvl="0" indent="0" algn="l" defTabSz="914400" rtl="0" eaLnBrk="1" fontAlgn="auto" latinLnBrk="0" hangingPunct="1">
-              <a:lnSpc>
-                <a:spcPct val="100000"/>
-              </a:lnSpc>
-              <a:spcBef>
-                <a:spcPts val="0"/>
-              </a:spcBef>
-              <a:spcAft>
-                <a:spcPts val="0"/>
-              </a:spcAft>
-              <a:buClrTx/>
-              <a:buSzTx/>
-              <a:buFontTx/>
-              <a:buNone/>
-              <a:tabLst/>
-              <a:defRPr/>
-            </a:pPr>
-            <a:r>
-              <a:rPr kumimoji="1" lang="en-US" altLang="zh-CN" dirty="0"/>
-              <a:t>3.</a:t>
-            </a:r>
-            <a:r>
-              <a:rPr lang="zh-CN" altLang="en-US" dirty="0"/>
-              <a:t>回到原来的高斯金字塔图中寻找与</a:t>
-            </a:r>
-            <a:r>
-              <a:rPr lang="el-GR" altLang="zh-CN" dirty="0"/>
+              <a:rPr lang="zh-CN" altLang="en-US" sz="1200" b="0" i="0" u="none" strike="noStrike" kern="1200" dirty="0">
+                <a:solidFill>
+                  <a:schemeClr val="tx1"/>
+                </a:solidFill>
+                <a:effectLst/>
+                <a:latin typeface="+mn-lt"/>
+                <a:ea typeface="+mn-ea"/>
+                <a:cs typeface="+mn-cs"/>
+              </a:rPr>
+              <a:t>的相邻点极值比较。</a:t>
+            </a:r>
+          </a:p>
+          <a:p>
+            <a:r>
+              <a:rPr lang="zh-CN" altLang="en-US" sz="1200" b="0" i="0" u="none" strike="noStrike" kern="1200" dirty="0">
+                <a:solidFill>
+                  <a:schemeClr val="tx1"/>
+                </a:solidFill>
+                <a:effectLst/>
+                <a:latin typeface="+mn-lt"/>
+                <a:ea typeface="+mn-ea"/>
+                <a:cs typeface="+mn-cs"/>
+              </a:rPr>
+              <a:t>最后回到原来的高斯金字塔图中，寻找与</a:t>
+            </a:r>
+            <a:r>
+              <a:rPr lang="el-GR" altLang="zh-CN" sz="1200" b="0" i="0" u="none" strike="noStrike" kern="1200" dirty="0">
+                <a:solidFill>
+                  <a:schemeClr val="tx1"/>
+                </a:solidFill>
+                <a:effectLst/>
+                <a:latin typeface="+mn-lt"/>
+                <a:ea typeface="+mn-ea"/>
+                <a:cs typeface="+mn-cs"/>
+              </a:rPr>
               <a:t>σ</a:t>
             </a:r>
             <a:r>
-              <a:rPr lang="zh-CN" altLang="el-GR" dirty="0"/>
+              <a:rPr lang="zh-CN" altLang="el-GR" sz="1200" b="0" i="0" u="none" strike="noStrike" kern="1200" dirty="0">
+                <a:solidFill>
+                  <a:schemeClr val="tx1"/>
+                </a:solidFill>
+                <a:effectLst/>
+                <a:latin typeface="+mn-lt"/>
+                <a:ea typeface="+mn-ea"/>
+                <a:cs typeface="+mn-cs"/>
+              </a:rPr>
               <a:t>（</a:t>
             </a:r>
             <a:r>
-              <a:rPr lang="zh-CN" altLang="en-US" dirty="0"/>
-              <a:t>尺度）相近的高斯图像， 在以关键点为中心的邻域窗口内采样，并用直方图统计邻域像素的梯度方向。</a:t>
-            </a:r>
-            <a:endParaRPr kumimoji="1" lang="zh-CN" altLang="en-US" dirty="0"/>
+              <a:rPr lang="zh-CN" altLang="en-US" sz="1200" b="0" i="0" u="none" strike="noStrike" kern="1200" dirty="0">
+                <a:solidFill>
+                  <a:schemeClr val="tx1"/>
+                </a:solidFill>
+                <a:effectLst/>
+                <a:latin typeface="+mn-lt"/>
+                <a:ea typeface="+mn-ea"/>
+                <a:cs typeface="+mn-cs"/>
+              </a:rPr>
+              <a:t>尺度）相近的高斯图像， 在以关键点为中心的邻域窗口内采样，并用直方图统计邻域像素的梯度方向。</a:t>
+            </a:r>
+          </a:p>
+          <a:p>
+            <a:r>
+              <a:rPr lang="zh-CN" altLang="en-US" sz="1200" b="0" i="0" u="none" strike="noStrike" kern="1200" dirty="0">
+                <a:solidFill>
+                  <a:schemeClr val="tx1"/>
+                </a:solidFill>
+                <a:effectLst/>
+                <a:latin typeface="+mn-lt"/>
+                <a:ea typeface="+mn-ea"/>
+                <a:cs typeface="+mn-cs"/>
+              </a:rPr>
+              <a:t>接下来稍微介绍一下每个步骤的流程和我觉得需要注意的内容。</a:t>
+            </a:r>
           </a:p>
           <a:p>
             <a:endParaRPr kumimoji="1" lang="zh-CN" altLang="en-US" dirty="0"/>
@@ -755,6 +831,160 @@
     <p:extLst>
       <p:ext uri="{BB962C8B-B14F-4D97-AF65-F5344CB8AC3E}">
         <p14:creationId xmlns:p14="http://schemas.microsoft.com/office/powerpoint/2010/main" val="2916931913"/>
+      </p:ext>
+    </p:extLst>
+  </p:cSld>
+  <p:clrMapOvr>
+    <a:masterClrMapping/>
+  </p:clrMapOvr>
+</p:notes>
+</file>
+
+<file path=ppt/notesSlides/notesSlide10.xml><?xml version="1.0" encoding="utf-8"?>
+<p:notes xmlns:a="http://schemas.openxmlformats.org/drawingml/2006/main" xmlns:r="http://schemas.openxmlformats.org/officeDocument/2006/relationships" xmlns:p="http://schemas.openxmlformats.org/presentationml/2006/main">
+  <p:cSld>
+    <p:spTree>
+      <p:nvGrpSpPr>
+        <p:cNvPr id="1" name=""/>
+        <p:cNvGrpSpPr/>
+        <p:nvPr/>
+      </p:nvGrpSpPr>
+      <p:grpSpPr>
+        <a:xfrm>
+          <a:off x="0" y="0"/>
+          <a:ext cx="0" cy="0"/>
+          <a:chOff x="0" y="0"/>
+          <a:chExt cx="0" cy="0"/>
+        </a:xfrm>
+      </p:grpSpPr>
+      <p:sp>
+        <p:nvSpPr>
+          <p:cNvPr id="2" name="幻灯片图像占位符 1"/>
+          <p:cNvSpPr>
+            <a:spLocks noGrp="1" noRot="1" noChangeAspect="1"/>
+          </p:cNvSpPr>
+          <p:nvPr>
+            <p:ph type="sldImg"/>
+          </p:nvPr>
+        </p:nvSpPr>
+        <p:spPr/>
+      </p:sp>
+      <p:sp>
+        <p:nvSpPr>
+          <p:cNvPr id="3" name="备注占位符 2"/>
+          <p:cNvSpPr>
+            <a:spLocks noGrp="1"/>
+          </p:cNvSpPr>
+          <p:nvPr>
+            <p:ph type="body" idx="1"/>
+          </p:nvPr>
+        </p:nvSpPr>
+        <p:spPr/>
+        <p:txBody>
+          <a:bodyPr/>
+          <a:lstStyle/>
+          <a:p>
+            <a:r>
+              <a:rPr kumimoji="1" lang="zh-CN" altLang="en-US" sz="1200" b="0" i="0" u="none" strike="noStrike" kern="1200" dirty="0">
+                <a:solidFill>
+                  <a:schemeClr val="tx1"/>
+                </a:solidFill>
+                <a:effectLst/>
+                <a:latin typeface="+mn-lt"/>
+                <a:ea typeface="+mn-ea"/>
+                <a:cs typeface="+mn-cs"/>
+              </a:rPr>
+              <a:t>这是代码运行的结果。</a:t>
+            </a:r>
+            <a:endParaRPr kumimoji="1" lang="en-US" altLang="zh-CN" sz="1200" b="0" i="0" u="none" strike="noStrike" kern="1200" dirty="0">
+              <a:solidFill>
+                <a:schemeClr val="tx1"/>
+              </a:solidFill>
+              <a:effectLst/>
+              <a:latin typeface="+mn-lt"/>
+              <a:ea typeface="+mn-ea"/>
+              <a:cs typeface="+mn-cs"/>
+            </a:endParaRPr>
+          </a:p>
+          <a:p>
+            <a:endParaRPr lang="en-US" altLang="zh-CN" sz="1200" b="0" i="0" u="none" strike="noStrike" kern="1200" dirty="0">
+              <a:solidFill>
+                <a:schemeClr val="tx1"/>
+              </a:solidFill>
+              <a:effectLst/>
+              <a:latin typeface="+mn-lt"/>
+              <a:ea typeface="+mn-ea"/>
+              <a:cs typeface="+mn-cs"/>
+            </a:endParaRPr>
+          </a:p>
+          <a:p>
+            <a:r>
+              <a:rPr kumimoji="1" lang="zh-CN" altLang="en-US" sz="1200" b="0" i="0" u="none" strike="noStrike" kern="1200" dirty="0">
+                <a:solidFill>
+                  <a:schemeClr val="tx1"/>
+                </a:solidFill>
+                <a:effectLst/>
+                <a:latin typeface="+mn-lt"/>
+                <a:ea typeface="+mn-ea"/>
+                <a:cs typeface="+mn-cs"/>
+              </a:rPr>
+              <a:t>以上就是关于</a:t>
+            </a:r>
+            <a:r>
+              <a:rPr kumimoji="1" lang="en-US" altLang="zh-CN" sz="1200" b="0" i="0" u="none" strike="noStrike" kern="1200" dirty="0">
+                <a:solidFill>
+                  <a:schemeClr val="tx1"/>
+                </a:solidFill>
+                <a:effectLst/>
+                <a:latin typeface="+mn-lt"/>
+                <a:ea typeface="+mn-ea"/>
+                <a:cs typeface="+mn-cs"/>
+              </a:rPr>
+              <a:t>sift</a:t>
+            </a:r>
+            <a:r>
+              <a:rPr kumimoji="1" lang="zh-CN" altLang="en-US" sz="1200" b="0" i="0" u="none" strike="noStrike" kern="1200" dirty="0">
+                <a:solidFill>
+                  <a:schemeClr val="tx1"/>
+                </a:solidFill>
+                <a:effectLst/>
+                <a:latin typeface="+mn-lt"/>
+                <a:ea typeface="+mn-ea"/>
+                <a:cs typeface="+mn-cs"/>
+              </a:rPr>
+              <a:t>算法的简要分享</a:t>
+            </a:r>
+            <a:endParaRPr kumimoji="1" lang="zh-CN" altLang="en-US" dirty="0"/>
+          </a:p>
+        </p:txBody>
+      </p:sp>
+      <p:sp>
+        <p:nvSpPr>
+          <p:cNvPr id="4" name="灯片编号占位符 3"/>
+          <p:cNvSpPr>
+            <a:spLocks noGrp="1"/>
+          </p:cNvSpPr>
+          <p:nvPr>
+            <p:ph type="sldNum" sz="quarter" idx="5"/>
+          </p:nvPr>
+        </p:nvSpPr>
+        <p:spPr/>
+        <p:txBody>
+          <a:bodyPr/>
+          <a:lstStyle/>
+          <a:p>
+            <a:fld id="{D2B792EC-EF71-A74C-8F94-69890CBD54B6}" type="slidenum">
+              <a:rPr kumimoji="1" lang="zh-CN" altLang="en-US" smtClean="0"/>
+              <a:t>12</a:t>
+            </a:fld>
+            <a:endParaRPr kumimoji="1" lang="zh-CN" altLang="en-US"/>
+          </a:p>
+        </p:txBody>
+      </p:sp>
+    </p:spTree>
+    <p:extLst>
+      <p:ext uri="{BB962C8B-B14F-4D97-AF65-F5344CB8AC3E}">
+        <p14:creationId xmlns:p14="http://schemas.microsoft.com/office/powerpoint/2010/main" val="716195110"/>
       </p:ext>
     </p:extLst>
   </p:cSld>
@@ -809,18 +1039,75 @@
           <a:lstStyle/>
           <a:p>
             <a:r>
-              <a:rPr lang="zh-CN" altLang="en-US" sz="1200" b="0" i="0" kern="1200" dirty="0">
-                <a:solidFill>
-                  <a:schemeClr val="tx1"/>
-                </a:solidFill>
-                <a:effectLst/>
-                <a:latin typeface="+mn-lt"/>
-                <a:ea typeface="+mn-ea"/>
-                <a:cs typeface="+mn-cs"/>
-              </a:rPr>
-              <a:t>高斯核是唯一的线性核，也就是说使用高斯核对图像模糊不会引入其他噪声，因此就选用了高斯核来构建图像的尺度。</a:t>
-            </a:r>
-            <a:endParaRPr kumimoji="1" lang="zh-CN" altLang="en-US" dirty="0"/>
+              <a:rPr lang="zh-CN" altLang="en-US" dirty="0">
+                <a:effectLst/>
+              </a:rPr>
+              <a:t>建立高斯金字塔的过程中，</a:t>
+            </a:r>
+          </a:p>
+          <a:p>
+            <a:r>
+              <a:rPr lang="zh-CN" altLang="en-US" dirty="0">
+                <a:effectLst/>
+              </a:rPr>
+              <a:t>高斯金字塔模仿的是图像的不同的</a:t>
+            </a:r>
+            <a:r>
+              <a:rPr lang="zh-CN" altLang="en-US" b="1" dirty="0">
+                <a:effectLst/>
+              </a:rPr>
+              <a:t>尺度</a:t>
+            </a:r>
+            <a:r>
+              <a:rPr lang="zh-CN" altLang="en-US" dirty="0">
+                <a:effectLst/>
+              </a:rPr>
+              <a:t>，也可以理解成“图像的纵深”，图像原就会模糊而趋于整体，近就会清晰而关注细节。图像的尺度空间解决的问题，是如何对图像在所有尺度下进行描述的问题。</a:t>
+            </a:r>
+          </a:p>
+          <a:p>
+            <a:r>
+              <a:rPr lang="zh-CN" altLang="en-US" dirty="0">
+                <a:effectLst/>
+              </a:rPr>
+              <a:t>实现方法中，高斯核是唯一的线性核，也就是说使用高斯核对图像模糊不会引入其他噪声，因此就选用了高斯核来构建图像的尺度。</a:t>
+            </a:r>
+            <a:endParaRPr lang="en-US" altLang="zh-CN" dirty="0">
+              <a:effectLst/>
+            </a:endParaRPr>
+          </a:p>
+          <a:p>
+            <a:endParaRPr lang="en-US" altLang="zh-CN" dirty="0">
+              <a:effectLst/>
+            </a:endParaRPr>
+          </a:p>
+          <a:p>
+            <a:pPr marL="0" marR="0" lvl="0" indent="0" algn="l" defTabSz="914400" rtl="0" eaLnBrk="1" fontAlgn="auto" latinLnBrk="0" hangingPunct="1">
+              <a:lnSpc>
+                <a:spcPct val="100000"/>
+              </a:lnSpc>
+              <a:spcBef>
+                <a:spcPts val="0"/>
+              </a:spcBef>
+              <a:spcAft>
+                <a:spcPts val="0"/>
+              </a:spcAft>
+              <a:buClrTx/>
+              <a:buSzTx/>
+              <a:buFontTx/>
+              <a:buNone/>
+              <a:tabLst/>
+              <a:defRPr/>
+            </a:pPr>
+            <a:r>
+              <a:rPr lang="en-US" altLang="zh-CN" b="1" dirty="0"/>
+              <a:t>Scale Space and Image Pyramids</a:t>
+            </a:r>
+          </a:p>
+          <a:p>
+            <a:endParaRPr lang="zh-CN" altLang="en-US" dirty="0">
+              <a:effectLst/>
+            </a:endParaRPr>
           </a:p>
         </p:txBody>
       </p:sp>
@@ -905,351 +1192,85 @@
           <a:lstStyle/>
           <a:p>
             <a:r>
-              <a:rPr lang="zh-CN" altLang="en-US" sz="1200" b="0" i="0" kern="1200" dirty="0">
-                <a:solidFill>
-                  <a:schemeClr val="tx1"/>
-                </a:solidFill>
-                <a:effectLst/>
-                <a:latin typeface="+mn-lt"/>
-                <a:ea typeface="+mn-ea"/>
-                <a:cs typeface="+mn-cs"/>
-              </a:rPr>
-              <a:t>图像的金字塔模型是指，将原始图像不断降阶采样，得到一系列大小不一的图像，由大到小，从下到上构成的塔状模型。</a:t>
-            </a:r>
-            <a:endParaRPr lang="en-US" altLang="zh-CN" sz="1200" b="0" i="0" kern="1200" dirty="0">
-              <a:solidFill>
-                <a:schemeClr val="tx1"/>
-              </a:solidFill>
+              <a:rPr lang="zh-CN" altLang="en-US" dirty="0">
+                <a:effectLst/>
+              </a:rPr>
+              <a:t>建立高斯金字塔的过程，实际上也就是将原始图像不断降阶采样，得到一系列大小不一的图像的过程。</a:t>
+            </a:r>
+            <a:endParaRPr lang="en-US" altLang="zh-CN" dirty="0">
               <a:effectLst/>
-              <a:latin typeface="+mn-lt"/>
-              <a:ea typeface="+mn-ea"/>
-              <a:cs typeface="+mn-cs"/>
             </a:endParaRPr>
           </a:p>
           <a:p>
-            <a:endParaRPr kumimoji="1" lang="en-US" altLang="zh-CN" sz="1200" b="0" i="0" kern="1200" dirty="0">
-              <a:solidFill>
-                <a:schemeClr val="tx1"/>
-              </a:solidFill>
+            <a:endParaRPr lang="en-US" altLang="zh-CN" dirty="0">
               <a:effectLst/>
-              <a:latin typeface="+mn-lt"/>
-              <a:ea typeface="+mn-ea"/>
-              <a:cs typeface="+mn-cs"/>
             </a:endParaRPr>
           </a:p>
           <a:p>
             <a:r>
-              <a:rPr lang="zh-CN" altLang="en-US" sz="1200" b="0" i="0" kern="1200" dirty="0">
-                <a:solidFill>
-                  <a:schemeClr val="tx1"/>
-                </a:solidFill>
-                <a:effectLst/>
-                <a:latin typeface="+mn-lt"/>
-                <a:ea typeface="+mn-ea"/>
-                <a:cs typeface="+mn-cs"/>
-              </a:rPr>
-              <a:t>在同一组（子八度，</a:t>
-            </a:r>
-            <a:r>
-              <a:rPr lang="en-US" altLang="zh-CN" sz="1200" b="0" i="0" kern="1200" dirty="0">
-                <a:solidFill>
-                  <a:schemeClr val="tx1"/>
-                </a:solidFill>
-                <a:effectLst/>
-                <a:latin typeface="+mn-lt"/>
-                <a:ea typeface="+mn-ea"/>
-                <a:cs typeface="+mn-cs"/>
+              <a:rPr lang="zh-CN" altLang="en-US" dirty="0">
+                <a:effectLst/>
+              </a:rPr>
+              <a:t>图像分组，组内分层，在同一组（子八度，</a:t>
+            </a:r>
+            <a:r>
+              <a:rPr lang="en-US" altLang="zh-CN" dirty="0">
+                <a:effectLst/>
               </a:rPr>
               <a:t>octave</a:t>
             </a:r>
             <a:r>
-              <a:rPr lang="zh-CN" altLang="en-US" sz="1200" b="0" i="0" kern="1200" dirty="0">
-                <a:solidFill>
-                  <a:schemeClr val="tx1"/>
-                </a:solidFill>
-                <a:effectLst/>
-                <a:latin typeface="+mn-lt"/>
-                <a:ea typeface="+mn-ea"/>
-                <a:cs typeface="+mn-cs"/>
+              <a:rPr lang="zh-CN" altLang="en-US" dirty="0">
+                <a:effectLst/>
               </a:rPr>
               <a:t>）内，不同层图像的尺寸是一样的，后一层图像的高斯平滑因子</a:t>
             </a:r>
             <a:r>
-              <a:rPr lang="el-GR" altLang="zh-CN" sz="1200" b="0" i="0" kern="1200" dirty="0">
-                <a:solidFill>
-                  <a:schemeClr val="tx1"/>
-                </a:solidFill>
-                <a:effectLst/>
-                <a:latin typeface="+mn-lt"/>
-                <a:ea typeface="+mn-ea"/>
-                <a:cs typeface="+mn-cs"/>
+              <a:rPr lang="el-GR" altLang="zh-CN" dirty="0">
+                <a:effectLst/>
               </a:rPr>
               <a:t>σ</a:t>
             </a:r>
             <a:r>
-              <a:rPr lang="zh-CN" altLang="en-US" sz="1200" b="0" i="0" kern="1200" dirty="0">
-                <a:solidFill>
-                  <a:schemeClr val="tx1"/>
-                </a:solidFill>
-                <a:effectLst/>
-                <a:latin typeface="+mn-lt"/>
-                <a:ea typeface="+mn-ea"/>
-                <a:cs typeface="+mn-cs"/>
+              <a:rPr lang="zh-CN" altLang="en-US" dirty="0">
+                <a:effectLst/>
               </a:rPr>
               <a:t>是前一层图像平滑因子的</a:t>
             </a:r>
             <a:r>
-              <a:rPr lang="en-US" altLang="zh-CN" sz="1200" b="0" i="0" kern="1200" dirty="0">
-                <a:solidFill>
-                  <a:schemeClr val="tx1"/>
-                </a:solidFill>
-                <a:effectLst/>
-                <a:latin typeface="+mn-lt"/>
-                <a:ea typeface="+mn-ea"/>
-                <a:cs typeface="+mn-cs"/>
+              <a:rPr lang="en-US" altLang="zh-CN" dirty="0">
+                <a:effectLst/>
               </a:rPr>
               <a:t>k</a:t>
             </a:r>
             <a:r>
-              <a:rPr lang="zh-CN" altLang="en-US" sz="1200" b="0" i="0" kern="1200" dirty="0">
-                <a:solidFill>
-                  <a:schemeClr val="tx1"/>
-                </a:solidFill>
-                <a:effectLst/>
-                <a:latin typeface="+mn-lt"/>
-                <a:ea typeface="+mn-ea"/>
-                <a:cs typeface="+mn-cs"/>
+              <a:rPr lang="zh-CN" altLang="en-US" dirty="0">
+                <a:effectLst/>
               </a:rPr>
               <a:t>倍；</a:t>
             </a:r>
-            <a:endParaRPr lang="en-US" altLang="zh-CN" sz="1200" b="0" i="0" kern="1200" dirty="0">
-              <a:solidFill>
-                <a:schemeClr val="tx1"/>
-              </a:solidFill>
+            <a:endParaRPr lang="en-US" altLang="zh-CN" dirty="0">
               <a:effectLst/>
-              <a:latin typeface="+mn-lt"/>
-              <a:ea typeface="+mn-ea"/>
-              <a:cs typeface="+mn-cs"/>
             </a:endParaRPr>
           </a:p>
           <a:p>
-            <a:endParaRPr lang="en-US" altLang="zh-CN" sz="1200" b="0" i="0" kern="1200" dirty="0">
-              <a:solidFill>
-                <a:schemeClr val="tx1"/>
-              </a:solidFill>
-              <a:effectLst/>
-              <a:latin typeface="+mn-lt"/>
-              <a:ea typeface="+mn-ea"/>
-              <a:cs typeface="+mn-cs"/>
-            </a:endParaRPr>
-          </a:p>
-          <a:p>
-            <a:pPr marL="0" marR="0" lvl="0" indent="0" algn="l" defTabSz="914400" rtl="0" eaLnBrk="1" fontAlgn="auto" latinLnBrk="0" hangingPunct="1">
-              <a:lnSpc>
-                <a:spcPct val="100000"/>
-              </a:lnSpc>
-              <a:spcBef>
-                <a:spcPts val="0"/>
-              </a:spcBef>
-              <a:spcAft>
-                <a:spcPts val="0"/>
-              </a:spcAft>
-              <a:buClrTx/>
-              <a:buSzTx/>
-              <a:buFontTx/>
-              <a:buNone/>
-              <a:tabLst/>
-              <a:defRPr/>
-            </a:pPr>
-            <a:r>
-              <a:rPr lang="zh-CN" altLang="en-US" sz="1200" b="0" i="0" kern="1200" dirty="0">
-                <a:solidFill>
-                  <a:schemeClr val="tx1"/>
-                </a:solidFill>
-                <a:effectLst/>
-                <a:latin typeface="+mn-lt"/>
-                <a:ea typeface="+mn-ea"/>
-                <a:cs typeface="+mn-cs"/>
-              </a:rPr>
-              <a:t>对于尺度空间来说</a:t>
-            </a:r>
-            <a:r>
-              <a:rPr lang="en-US" altLang="zh-CN" sz="1200" b="0" i="0" kern="1200" dirty="0">
-                <a:solidFill>
-                  <a:schemeClr val="tx1"/>
-                </a:solidFill>
-                <a:effectLst/>
-                <a:latin typeface="+mn-lt"/>
-                <a:ea typeface="+mn-ea"/>
-                <a:cs typeface="+mn-cs"/>
-              </a:rPr>
-              <a:t>,</a:t>
-            </a:r>
-            <a:r>
-              <a:rPr lang="zh-CN" altLang="en-US" sz="1200" b="0" i="0" kern="1200" dirty="0">
-                <a:solidFill>
-                  <a:schemeClr val="tx1"/>
-                </a:solidFill>
-                <a:effectLst/>
-                <a:latin typeface="+mn-lt"/>
-                <a:ea typeface="+mn-ea"/>
-                <a:cs typeface="+mn-cs"/>
-              </a:rPr>
-              <a:t>我们一共需要</a:t>
-            </a:r>
-            <a:r>
-              <a:rPr lang="en-US" altLang="zh-CN" sz="1200" b="0" i="0" kern="1200" dirty="0">
-                <a:solidFill>
-                  <a:schemeClr val="tx1"/>
-                </a:solidFill>
-                <a:effectLst/>
-                <a:latin typeface="+mn-lt"/>
-                <a:ea typeface="+mn-ea"/>
-                <a:cs typeface="+mn-cs"/>
-              </a:rPr>
-              <a:t>S+3</a:t>
-            </a:r>
-            <a:r>
-              <a:rPr lang="zh-CN" altLang="en-US" sz="1200" b="0" i="0" kern="1200" dirty="0">
-                <a:solidFill>
-                  <a:schemeClr val="tx1"/>
-                </a:solidFill>
-                <a:effectLst/>
-                <a:latin typeface="+mn-lt"/>
-                <a:ea typeface="+mn-ea"/>
-                <a:cs typeface="+mn-cs"/>
-              </a:rPr>
-              <a:t>层图像来构建出来</a:t>
-            </a:r>
-            <a:r>
-              <a:rPr lang="en-US" altLang="zh-CN" sz="1200" b="0" i="0" kern="1200" dirty="0">
-                <a:solidFill>
-                  <a:schemeClr val="tx1"/>
-                </a:solidFill>
-                <a:effectLst/>
-                <a:latin typeface="+mn-lt"/>
-                <a:ea typeface="+mn-ea"/>
-                <a:cs typeface="+mn-cs"/>
-              </a:rPr>
-              <a:t>S+2</a:t>
-            </a:r>
-            <a:r>
-              <a:rPr lang="zh-CN" altLang="en-US" sz="1200" b="0" i="0" kern="1200" dirty="0">
-                <a:solidFill>
-                  <a:schemeClr val="tx1"/>
-                </a:solidFill>
-                <a:effectLst/>
-                <a:latin typeface="+mn-lt"/>
-                <a:ea typeface="+mn-ea"/>
-                <a:cs typeface="+mn-cs"/>
-              </a:rPr>
-              <a:t>层高斯差分图像。</a:t>
-            </a:r>
-            <a:r>
-              <a:rPr lang="en-US" altLang="zh-CN" sz="1200" b="0" i="0" kern="1200" dirty="0" err="1">
-                <a:solidFill>
-                  <a:schemeClr val="tx1"/>
-                </a:solidFill>
-                <a:effectLst/>
-                <a:latin typeface="+mn-lt"/>
-                <a:ea typeface="+mn-ea"/>
-                <a:cs typeface="+mn-cs"/>
-              </a:rPr>
-              <a:t>DoG</a:t>
-            </a:r>
-            <a:r>
-              <a:rPr lang="zh-CN" altLang="en-US" sz="1200" b="0" i="0" kern="1200" dirty="0">
-                <a:solidFill>
-                  <a:schemeClr val="tx1"/>
-                </a:solidFill>
-                <a:effectLst/>
-                <a:latin typeface="+mn-lt"/>
-                <a:ea typeface="+mn-ea"/>
-                <a:cs typeface="+mn-cs"/>
-              </a:rPr>
-              <a:t>减少一层，</a:t>
-            </a:r>
-            <a:r>
-              <a:rPr lang="en-US" altLang="zh-CN" sz="1200" b="0" i="0" kern="1200" dirty="0">
-                <a:solidFill>
-                  <a:schemeClr val="tx1"/>
-                </a:solidFill>
-                <a:effectLst/>
-                <a:latin typeface="+mn-lt"/>
-                <a:ea typeface="+mn-ea"/>
-                <a:cs typeface="+mn-cs"/>
-              </a:rPr>
-              <a:t>26</a:t>
-            </a:r>
-            <a:r>
-              <a:rPr lang="zh-CN" altLang="en-US" sz="1200" b="0" i="0" kern="1200" dirty="0">
-                <a:solidFill>
-                  <a:schemeClr val="tx1"/>
-                </a:solidFill>
-                <a:effectLst/>
-                <a:latin typeface="+mn-lt"/>
-                <a:ea typeface="+mn-ea"/>
-                <a:cs typeface="+mn-cs"/>
-              </a:rPr>
-              <a:t>个邻域需要额外的两层</a:t>
-            </a:r>
-            <a:endParaRPr lang="en-US" altLang="zh-CN" sz="1200" b="0" i="0" kern="1200" dirty="0">
-              <a:solidFill>
-                <a:schemeClr val="tx1"/>
-              </a:solidFill>
-              <a:effectLst/>
-              <a:latin typeface="+mn-lt"/>
-              <a:ea typeface="+mn-ea"/>
-              <a:cs typeface="+mn-cs"/>
-            </a:endParaRPr>
-          </a:p>
-          <a:p>
-            <a:endParaRPr lang="zh-CN" altLang="en-US" sz="1200" b="0" i="0" kern="1200" dirty="0">
-              <a:solidFill>
-                <a:schemeClr val="tx1"/>
-              </a:solidFill>
-              <a:effectLst/>
-              <a:latin typeface="+mn-lt"/>
-              <a:ea typeface="+mn-ea"/>
-              <a:cs typeface="+mn-cs"/>
-            </a:endParaRPr>
-          </a:p>
-          <a:p>
-            <a:r>
-              <a:rPr lang="zh-CN" altLang="en-US" sz="1200" b="0" i="0" kern="1200" dirty="0">
-                <a:solidFill>
-                  <a:schemeClr val="tx1"/>
-                </a:solidFill>
-                <a:effectLst/>
-                <a:latin typeface="+mn-lt"/>
-                <a:ea typeface="+mn-ea"/>
-                <a:cs typeface="+mn-cs"/>
+            <a:r>
+              <a:rPr lang="zh-CN" altLang="en-US" dirty="0">
+                <a:effectLst/>
               </a:rPr>
               <a:t>在不同组内，为了保证尺度空间的连续性， 后一组第一个图像是前一组 </a:t>
             </a:r>
             <a:r>
-              <a:rPr lang="zh-CN" altLang="en-US" sz="1200" b="1" i="0" kern="1200" dirty="0">
-                <a:solidFill>
-                  <a:schemeClr val="tx1"/>
-                </a:solidFill>
-                <a:effectLst/>
-                <a:latin typeface="+mn-lt"/>
-                <a:ea typeface="+mn-ea"/>
-                <a:cs typeface="+mn-cs"/>
-              </a:rPr>
-              <a:t>倒数第三个 </a:t>
-            </a:r>
-            <a:r>
-              <a:rPr lang="zh-CN" altLang="en-US" sz="1200" b="0" i="0" kern="1200" dirty="0">
-                <a:solidFill>
-                  <a:schemeClr val="tx1"/>
-                </a:solidFill>
-                <a:effectLst/>
-                <a:latin typeface="+mn-lt"/>
-                <a:ea typeface="+mn-ea"/>
-                <a:cs typeface="+mn-cs"/>
-              </a:rPr>
-              <a:t>图像的二分之一采样，图像大小是前一组的一半；</a:t>
+              <a:rPr lang="zh-CN" altLang="en-US" b="1" dirty="0">
+                <a:effectLst/>
+              </a:rPr>
+              <a:t>倒数第三个</a:t>
+            </a:r>
+            <a:r>
+              <a:rPr lang="zh-CN" altLang="en-US" dirty="0">
+                <a:effectLst/>
+              </a:rPr>
+              <a:t> 图像的二分之一采样，图像大小是前一组的一半。</a:t>
             </a:r>
             <a:endParaRPr lang="en-US" altLang="zh-CN" sz="1200" b="0" i="0" kern="1200" dirty="0">
               <a:solidFill>
@@ -1344,31 +1365,33 @@
           <a:lstStyle/>
           <a:p>
             <a:r>
-              <a:rPr lang="en-US" altLang="zh-CN" sz="1200" b="0" i="0" kern="1200" dirty="0">
-                <a:solidFill>
-                  <a:schemeClr val="tx1"/>
-                </a:solidFill>
-                <a:effectLst/>
-                <a:latin typeface="+mn-lt"/>
-                <a:ea typeface="+mn-ea"/>
-                <a:cs typeface="+mn-cs"/>
-              </a:rPr>
-              <a:t>SIFT</a:t>
-            </a:r>
-            <a:r>
-              <a:rPr lang="zh-CN" altLang="en-US" sz="1200" b="0" i="0" kern="1200" dirty="0">
-                <a:solidFill>
-                  <a:schemeClr val="tx1"/>
-                </a:solidFill>
-                <a:effectLst/>
-                <a:latin typeface="+mn-lt"/>
-                <a:ea typeface="+mn-ea"/>
-                <a:cs typeface="+mn-cs"/>
-              </a:rPr>
-              <a:t>关键点是由</a:t>
-            </a:r>
-            <a:r>
-              <a:rPr lang="en-US" altLang="zh-CN" sz="1200" b="0" i="0" kern="1200" dirty="0">
+              <a:rPr lang="zh-CN" altLang="en-US" sz="1200" b="0" i="0" u="none" strike="noStrike" kern="1200" dirty="0">
+                <a:solidFill>
+                  <a:schemeClr val="tx1"/>
+                </a:solidFill>
+                <a:effectLst/>
+                <a:latin typeface="+mn-lt"/>
+                <a:ea typeface="+mn-ea"/>
+                <a:cs typeface="+mn-cs"/>
+              </a:rPr>
+              <a:t>而极值点定位的过程，</a:t>
+            </a:r>
+          </a:p>
+          <a:p>
+            <a:r>
+              <a:rPr lang="zh-CN" altLang="en-US" sz="1200" b="0" i="0" u="none" strike="noStrike" kern="1200" dirty="0">
+                <a:solidFill>
+                  <a:schemeClr val="tx1"/>
+                </a:solidFill>
+                <a:effectLst/>
+                <a:latin typeface="+mn-lt"/>
+                <a:ea typeface="+mn-ea"/>
+                <a:cs typeface="+mn-cs"/>
+              </a:rPr>
+              <a:t>是由</a:t>
+            </a:r>
+            <a:r>
+              <a:rPr lang="en-US" altLang="zh-CN" sz="1200" b="0" i="0" u="none" strike="noStrike" kern="1200" dirty="0">
                 <a:solidFill>
                   <a:schemeClr val="tx1"/>
                 </a:solidFill>
@@ -1380,104 +1403,18 @@
               <a:t>DOG</a:t>
             </a:r>
             <a:r>
-              <a:rPr lang="zh-CN" altLang="en-US" sz="1200" b="0" i="0" kern="1200" dirty="0">
-                <a:solidFill>
-                  <a:schemeClr val="tx1"/>
-                </a:solidFill>
-                <a:effectLst/>
-                <a:latin typeface="+mn-lt"/>
-                <a:ea typeface="+mn-ea"/>
-                <a:cs typeface="+mn-cs"/>
-              </a:rPr>
-              <a:t>空间的局部极值点组成的</a:t>
-            </a:r>
-            <a:r>
-              <a:rPr lang="en-US" altLang="zh-CN" sz="1200" b="0" i="0" kern="1200" dirty="0">
-                <a:solidFill>
-                  <a:schemeClr val="tx1"/>
-                </a:solidFill>
-                <a:effectLst/>
-                <a:latin typeface="+mn-lt"/>
-                <a:ea typeface="+mn-ea"/>
-                <a:cs typeface="+mn-cs"/>
-              </a:rPr>
-              <a:t>.</a:t>
-            </a:r>
-            <a:r>
-              <a:rPr lang="zh-CN" altLang="en-US" sz="1200" b="0" i="0" kern="1200" dirty="0">
-                <a:solidFill>
-                  <a:schemeClr val="tx1"/>
-                </a:solidFill>
-                <a:effectLst/>
-                <a:latin typeface="+mn-lt"/>
-                <a:ea typeface="+mn-ea"/>
-                <a:cs typeface="+mn-cs"/>
-              </a:rPr>
-              <a:t>以中心点进行</a:t>
-            </a:r>
-            <a:r>
-              <a:rPr lang="en-US" altLang="zh-CN" sz="1200" b="0" i="0" kern="1200" dirty="0">
-                <a:solidFill>
-                  <a:schemeClr val="tx1"/>
-                </a:solidFill>
-                <a:effectLst/>
-                <a:latin typeface="+mn-lt"/>
-                <a:ea typeface="+mn-ea"/>
-                <a:cs typeface="+mn-cs"/>
-              </a:rPr>
-              <a:t>3X3X3</a:t>
-            </a:r>
-            <a:r>
-              <a:rPr lang="zh-CN" altLang="en-US" sz="1200" b="0" i="0" kern="1200" dirty="0">
-                <a:solidFill>
-                  <a:schemeClr val="tx1"/>
-                </a:solidFill>
-                <a:effectLst/>
-                <a:latin typeface="+mn-lt"/>
-                <a:ea typeface="+mn-ea"/>
-                <a:cs typeface="+mn-cs"/>
-              </a:rPr>
-              <a:t>的相邻点比较</a:t>
-            </a:r>
-            <a:r>
-              <a:rPr lang="en-US" altLang="zh-CN" sz="1200" b="0" i="0" kern="1200" dirty="0">
-                <a:solidFill>
-                  <a:schemeClr val="tx1"/>
-                </a:solidFill>
-                <a:effectLst/>
-                <a:latin typeface="+mn-lt"/>
-                <a:ea typeface="+mn-ea"/>
-                <a:cs typeface="+mn-cs"/>
-              </a:rPr>
-              <a:t>,</a:t>
-            </a:r>
-            <a:r>
-              <a:rPr lang="zh-CN" altLang="en-US" sz="1200" b="0" i="0" kern="1200" dirty="0">
-                <a:solidFill>
-                  <a:schemeClr val="tx1"/>
-                </a:solidFill>
-                <a:effectLst/>
-                <a:latin typeface="+mn-lt"/>
-                <a:ea typeface="+mn-ea"/>
-                <a:cs typeface="+mn-cs"/>
-              </a:rPr>
-              <a:t>检测其是否是图像域和尺度域的相邻点的极大值或极小值</a:t>
-            </a:r>
-            <a:r>
-              <a:rPr lang="en-US" altLang="zh-CN" sz="1200" b="0" i="0" kern="1200" dirty="0">
-                <a:solidFill>
-                  <a:schemeClr val="tx1"/>
-                </a:solidFill>
-                <a:effectLst/>
-                <a:latin typeface="+mn-lt"/>
-                <a:ea typeface="+mn-ea"/>
-                <a:cs typeface="+mn-cs"/>
-              </a:rPr>
-              <a:t>.</a:t>
-            </a:r>
-          </a:p>
-          <a:p>
-            <a:endParaRPr kumimoji="1" lang="en-US" altLang="zh-CN" sz="1200" b="0" i="0" kern="1200" dirty="0">
+              <a:rPr lang="zh-CN" altLang="en-US" sz="1200" b="0" i="0" u="none" strike="noStrike" kern="1200" dirty="0">
+                <a:solidFill>
+                  <a:schemeClr val="tx1"/>
+                </a:solidFill>
+                <a:effectLst/>
+                <a:latin typeface="+mn-lt"/>
+                <a:ea typeface="+mn-ea"/>
+                <a:cs typeface="+mn-cs"/>
+              </a:rPr>
+              <a:t>空间的局部极值点组成的。</a:t>
+            </a:r>
+            <a:endParaRPr lang="en-US" altLang="zh-CN" sz="1200" b="0" i="0" u="none" strike="noStrike" kern="1200" dirty="0">
               <a:solidFill>
                 <a:schemeClr val="tx1"/>
               </a:solidFill>
@@ -1488,41 +1425,28 @@
             </a:endParaRPr>
           </a:p>
           <a:p>
-            <a:r>
-              <a:rPr lang="zh-CN" altLang="en-US" sz="1200" b="0" i="0" kern="1200" dirty="0">
-                <a:solidFill>
-                  <a:schemeClr val="tx1"/>
-                </a:solidFill>
-                <a:effectLst/>
-                <a:latin typeface="+mn-lt"/>
-                <a:ea typeface="+mn-ea"/>
-                <a:cs typeface="+mn-cs"/>
-              </a:rPr>
-              <a:t>从每组的第二层开始，以第二层为当前层，对第二层的</a:t>
-            </a:r>
-            <a:r>
-              <a:rPr lang="en-US" altLang="zh-CN" sz="1200" b="0" i="0" kern="1200" dirty="0" err="1">
-                <a:solidFill>
-                  <a:schemeClr val="tx1"/>
-                </a:solidFill>
-                <a:effectLst/>
-                <a:latin typeface="+mn-lt"/>
-                <a:ea typeface="+mn-ea"/>
-                <a:cs typeface="+mn-cs"/>
-              </a:rPr>
-              <a:t>DoG</a:t>
-            </a:r>
-            <a:r>
-              <a:rPr lang="zh-CN" altLang="en-US" sz="1200" b="0" i="0" kern="1200" dirty="0">
-                <a:solidFill>
-                  <a:schemeClr val="tx1"/>
-                </a:solidFill>
-                <a:effectLst/>
-                <a:latin typeface="+mn-lt"/>
-                <a:ea typeface="+mn-ea"/>
-                <a:cs typeface="+mn-cs"/>
-              </a:rPr>
-              <a:t>图像中的每个点取一个</a:t>
+            <a:endParaRPr lang="en-US" altLang="zh-CN" sz="1200" b="0" i="0" u="none" strike="noStrike" kern="1200" dirty="0">
+              <a:solidFill>
+                <a:schemeClr val="tx1"/>
+              </a:solidFill>
+              <a:effectLst/>
+              <a:latin typeface="+mn-lt"/>
+              <a:ea typeface="+mn-ea"/>
+              <a:cs typeface="+mn-cs"/>
+            </a:endParaRPr>
+          </a:p>
+          <a:p>
+            <a:r>
+              <a:rPr lang="zh-CN" altLang="en-US" sz="1200" b="0" i="0" u="none" strike="noStrike" kern="1200" dirty="0">
+                <a:solidFill>
+                  <a:schemeClr val="tx1"/>
+                </a:solidFill>
+                <a:effectLst/>
+                <a:latin typeface="+mn-lt"/>
+                <a:ea typeface="+mn-ea"/>
+                <a:cs typeface="+mn-cs"/>
+              </a:rPr>
+              <a:t>从每组的第二层开始，以第二层为当前层，区一层上一层下，以中心点进行</a:t>
             </a:r>
             <a:r>
               <a:rPr lang="en-US" altLang="zh-CN" sz="1200" b="0" i="0" u="none" strike="noStrike" kern="1200" dirty="0">
@@ -1534,20 +1458,80 @@
                 <a:ea typeface="+mn-ea"/>
                 <a:cs typeface="+mn-cs"/>
               </a:rPr>
-              <a:t>3×3×3</a:t>
-            </a:r>
-            <a:r>
-              <a:rPr lang="zh-CN" altLang="en-US" sz="1200" b="0" i="0" kern="1200" dirty="0">
-                <a:solidFill>
-                  <a:schemeClr val="tx1"/>
-                </a:solidFill>
-                <a:effectLst/>
-                <a:latin typeface="+mn-lt"/>
-                <a:ea typeface="+mn-ea"/>
-                <a:cs typeface="+mn-cs"/>
-              </a:rPr>
-              <a:t>的立方体，立方体上下层为第一层与第三层。</a:t>
-            </a:r>
+              <a:t>3X3X3</a:t>
+            </a:r>
+            <a:r>
+              <a:rPr lang="zh-CN" altLang="en-US" sz="1200" b="0" i="0" u="none" strike="noStrike" kern="1200" dirty="0">
+                <a:solidFill>
+                  <a:schemeClr val="tx1"/>
+                </a:solidFill>
+                <a:effectLst/>
+                <a:latin typeface="+mn-lt"/>
+                <a:ea typeface="+mn-ea"/>
+                <a:cs typeface="+mn-cs"/>
+              </a:rPr>
+              <a:t>的相邻点比较</a:t>
+            </a:r>
+            <a:r>
+              <a:rPr lang="en-US" altLang="zh-CN" sz="1200" b="0" i="0" u="none" strike="noStrike" kern="1200" dirty="0">
+                <a:solidFill>
+                  <a:schemeClr val="tx1"/>
+                </a:solidFill>
+                <a:effectLst/>
+                <a:latin typeface="+mn-lt"/>
+                <a:ea typeface="+mn-ea"/>
+                <a:cs typeface="+mn-cs"/>
+              </a:rPr>
+              <a:t>,</a:t>
+            </a:r>
+            <a:r>
+              <a:rPr lang="zh-CN" altLang="en-US" sz="1200" b="0" i="0" u="none" strike="noStrike" kern="1200" dirty="0">
+                <a:solidFill>
+                  <a:schemeClr val="tx1"/>
+                </a:solidFill>
+                <a:effectLst/>
+                <a:latin typeface="+mn-lt"/>
+                <a:ea typeface="+mn-ea"/>
+                <a:cs typeface="+mn-cs"/>
+              </a:rPr>
+              <a:t>检测其是否是图像域和尺度域的相邻点的极大值或极小值。</a:t>
+            </a:r>
+            <a:endParaRPr lang="en-US" altLang="zh-CN" sz="1200" b="0" i="0" u="none" strike="noStrike" kern="1200" dirty="0">
+              <a:solidFill>
+                <a:schemeClr val="tx1"/>
+              </a:solidFill>
+              <a:effectLst/>
+              <a:latin typeface="+mn-lt"/>
+              <a:ea typeface="+mn-ea"/>
+              <a:cs typeface="+mn-cs"/>
+            </a:endParaRPr>
+          </a:p>
+          <a:p>
+            <a:endParaRPr lang="en-US" altLang="zh-CN" sz="1200" b="0" i="0" u="none" strike="noStrike" kern="1200" dirty="0">
+              <a:solidFill>
+                <a:schemeClr val="tx1"/>
+              </a:solidFill>
+              <a:effectLst/>
+              <a:latin typeface="+mn-lt"/>
+              <a:ea typeface="+mn-ea"/>
+              <a:cs typeface="+mn-cs"/>
+            </a:endParaRPr>
+          </a:p>
+          <a:p>
+            <a:r>
+              <a:rPr lang="zh-CN" altLang="en-US" sz="1200" b="0" i="0" u="none" strike="noStrike" kern="1200" dirty="0">
+                <a:solidFill>
+                  <a:schemeClr val="tx1"/>
+                </a:solidFill>
+                <a:effectLst/>
+                <a:latin typeface="+mn-lt"/>
+                <a:ea typeface="+mn-ea"/>
+                <a:cs typeface="+mn-cs"/>
+              </a:rPr>
+              <a:t>这里涉及到了一系列的优化措施。</a:t>
+            </a:r>
+          </a:p>
+          <a:p>
             <a:endParaRPr kumimoji="1" lang="zh-CN" altLang="en-US" dirty="0"/>
           </a:p>
         </p:txBody>
@@ -1633,6 +1617,95 @@
           <a:lstStyle/>
           <a:p>
             <a:r>
+              <a:rPr lang="zh-CN" altLang="en-US" sz="1200" b="0" i="0" u="none" strike="noStrike" kern="1200" dirty="0">
+                <a:solidFill>
+                  <a:schemeClr val="tx1"/>
+                </a:solidFill>
+                <a:effectLst/>
+                <a:latin typeface="+mn-lt"/>
+                <a:ea typeface="+mn-ea"/>
+                <a:cs typeface="+mn-cs"/>
+              </a:rPr>
+              <a:t>首先，因为极值点的搜索是在离散空间中进行的，检测到的极值点并不是真正意义上的极值点。</a:t>
+            </a:r>
+            <a:endParaRPr lang="en-US" altLang="zh-CN" sz="1200" b="0" i="0" u="none" strike="noStrike" kern="1200" dirty="0">
+              <a:solidFill>
+                <a:schemeClr val="tx1"/>
+              </a:solidFill>
+              <a:effectLst/>
+              <a:latin typeface="+mn-lt"/>
+              <a:ea typeface="+mn-ea"/>
+              <a:cs typeface="+mn-cs"/>
+            </a:endParaRPr>
+          </a:p>
+          <a:p>
+            <a:endParaRPr lang="en-US" altLang="zh-CN" sz="1200" b="0" i="0" u="none" strike="noStrike" kern="1200" dirty="0">
+              <a:solidFill>
+                <a:schemeClr val="tx1"/>
+              </a:solidFill>
+              <a:effectLst/>
+              <a:latin typeface="+mn-lt"/>
+              <a:ea typeface="+mn-ea"/>
+              <a:cs typeface="+mn-cs"/>
+            </a:endParaRPr>
+          </a:p>
+          <a:p>
+            <a:endParaRPr lang="en-US" altLang="zh-CN" sz="1200" b="0" i="0" u="none" strike="noStrike" kern="1200" dirty="0">
+              <a:solidFill>
+                <a:schemeClr val="tx1"/>
+              </a:solidFill>
+              <a:effectLst/>
+              <a:latin typeface="+mn-lt"/>
+              <a:ea typeface="+mn-ea"/>
+              <a:cs typeface="+mn-cs"/>
+            </a:endParaRPr>
+          </a:p>
+          <a:p>
+            <a:endParaRPr lang="en-US" altLang="zh-CN" sz="1200" b="0" i="0" u="none" strike="noStrike" kern="1200" dirty="0">
+              <a:solidFill>
+                <a:schemeClr val="tx1"/>
+              </a:solidFill>
+              <a:effectLst/>
+              <a:latin typeface="+mn-lt"/>
+              <a:ea typeface="+mn-ea"/>
+              <a:cs typeface="+mn-cs"/>
+            </a:endParaRPr>
+          </a:p>
+          <a:p>
+            <a:endParaRPr lang="en-US" altLang="zh-CN" sz="1200" b="0" i="0" u="none" strike="noStrike" kern="1200" dirty="0">
+              <a:solidFill>
+                <a:schemeClr val="tx1"/>
+              </a:solidFill>
+              <a:effectLst/>
+              <a:latin typeface="+mn-lt"/>
+              <a:ea typeface="+mn-ea"/>
+              <a:cs typeface="+mn-cs"/>
+            </a:endParaRPr>
+          </a:p>
+          <a:p>
+            <a:endParaRPr lang="en-US" altLang="zh-CN" sz="1200" b="0" i="0" kern="1200" dirty="0">
+              <a:solidFill>
+                <a:schemeClr val="tx1"/>
+              </a:solidFill>
+              <a:effectLst/>
+              <a:latin typeface="+mn-lt"/>
+              <a:ea typeface="+mn-ea"/>
+              <a:cs typeface="+mn-cs"/>
+            </a:endParaRPr>
+          </a:p>
+          <a:p>
+            <a:endParaRPr lang="en-US" altLang="zh-CN" sz="1200" b="0" i="0" kern="1200" dirty="0">
+              <a:solidFill>
+                <a:schemeClr val="tx1"/>
+              </a:solidFill>
+              <a:effectLst/>
+              <a:latin typeface="+mn-lt"/>
+              <a:ea typeface="+mn-ea"/>
+              <a:cs typeface="+mn-cs"/>
+            </a:endParaRPr>
+          </a:p>
+          <a:p>
+            <a:r>
               <a:rPr lang="zh-CN" altLang="en-US" sz="1200" b="0" i="0" kern="1200" dirty="0">
                 <a:solidFill>
                   <a:schemeClr val="tx1"/>
@@ -2686,6 +2759,195 @@
           <a:bodyPr/>
           <a:lstStyle/>
           <a:p>
+            <a:endParaRPr lang="en-US" altLang="zh-CN" sz="1200" b="0" i="0" kern="1200" dirty="0">
+              <a:solidFill>
+                <a:schemeClr val="tx1"/>
+              </a:solidFill>
+              <a:effectLst/>
+              <a:latin typeface="+mn-lt"/>
+              <a:ea typeface="+mn-ea"/>
+              <a:cs typeface="+mn-cs"/>
+            </a:endParaRPr>
+          </a:p>
+          <a:p>
+            <a:pPr marL="0" marR="0" lvl="0" indent="0" algn="l" defTabSz="914400" rtl="0" eaLnBrk="1" fontAlgn="auto" latinLnBrk="0" hangingPunct="1">
+              <a:lnSpc>
+                <a:spcPct val="100000"/>
+              </a:lnSpc>
+              <a:spcBef>
+                <a:spcPts val="0"/>
+              </a:spcBef>
+              <a:spcAft>
+                <a:spcPts val="0"/>
+              </a:spcAft>
+              <a:buClrTx/>
+              <a:buSzTx/>
+              <a:buFontTx/>
+              <a:buNone/>
+              <a:tabLst/>
+              <a:defRPr/>
+            </a:pPr>
+            <a:r>
+              <a:rPr lang="zh-CN" altLang="en-US" sz="1200" b="0" i="0" u="none" strike="noStrike" kern="1200" dirty="0">
+                <a:solidFill>
+                  <a:schemeClr val="tx1"/>
+                </a:solidFill>
+                <a:effectLst/>
+                <a:latin typeface="+mn-lt"/>
+                <a:ea typeface="+mn-ea"/>
+                <a:cs typeface="+mn-cs"/>
+              </a:rPr>
+              <a:t>所以会通过泰勒展开模拟曲线方程，用有限差分代替导数计算，通过多次迭代</a:t>
+            </a:r>
+            <a:r>
+              <a:rPr lang="en-US" altLang="zh-CN" sz="1200" b="0" i="0" u="none" strike="noStrike" kern="1200" dirty="0">
+                <a:solidFill>
+                  <a:schemeClr val="tx1"/>
+                </a:solidFill>
+                <a:effectLst/>
+                <a:latin typeface="+mn-lt"/>
+                <a:ea typeface="+mn-ea"/>
+                <a:cs typeface="+mn-cs"/>
+              </a:rPr>
+              <a:t>(Lowe</a:t>
+            </a:r>
+            <a:r>
+              <a:rPr lang="zh-CN" altLang="en-US" sz="1200" b="0" i="0" u="none" strike="noStrike" kern="1200" dirty="0">
+                <a:solidFill>
+                  <a:schemeClr val="tx1"/>
+                </a:solidFill>
+                <a:effectLst/>
+                <a:latin typeface="+mn-lt"/>
+                <a:ea typeface="+mn-ea"/>
+                <a:cs typeface="+mn-cs"/>
+              </a:rPr>
+              <a:t>算法里最多迭代</a:t>
+            </a:r>
+            <a:r>
+              <a:rPr lang="en-US" altLang="zh-CN" sz="1200" b="0" i="0" u="none" strike="noStrike" kern="1200" dirty="0">
+                <a:solidFill>
+                  <a:schemeClr val="tx1"/>
+                </a:solidFill>
+                <a:effectLst/>
+                <a:latin typeface="+mn-lt"/>
+                <a:ea typeface="+mn-ea"/>
+                <a:cs typeface="+mn-cs"/>
+              </a:rPr>
+              <a:t>5</a:t>
+            </a:r>
+            <a:r>
+              <a:rPr lang="zh-CN" altLang="en-US" sz="1200" b="0" i="0" u="none" strike="noStrike" kern="1200" dirty="0">
+                <a:solidFill>
+                  <a:schemeClr val="tx1"/>
+                </a:solidFill>
+                <a:effectLst/>
+                <a:latin typeface="+mn-lt"/>
+                <a:ea typeface="+mn-ea"/>
+                <a:cs typeface="+mn-cs"/>
+              </a:rPr>
+              <a:t>次</a:t>
+            </a:r>
+            <a:r>
+              <a:rPr lang="en-US" altLang="zh-CN" sz="1200" b="0" i="0" u="none" strike="noStrike" kern="1200" dirty="0">
+                <a:solidFill>
+                  <a:schemeClr val="tx1"/>
+                </a:solidFill>
+                <a:effectLst/>
+                <a:latin typeface="+mn-lt"/>
+                <a:ea typeface="+mn-ea"/>
+                <a:cs typeface="+mn-cs"/>
+              </a:rPr>
+              <a:t>)</a:t>
+            </a:r>
+            <a:r>
+              <a:rPr lang="zh-CN" altLang="en-US" sz="1200" b="0" i="0" u="none" strike="noStrike" kern="1200" dirty="0">
+                <a:solidFill>
+                  <a:schemeClr val="tx1"/>
+                </a:solidFill>
+                <a:effectLst/>
+                <a:latin typeface="+mn-lt"/>
+                <a:ea typeface="+mn-ea"/>
+                <a:cs typeface="+mn-cs"/>
+              </a:rPr>
+              <a:t>，得到最终候选点的精确位置与尺度。</a:t>
+            </a:r>
+            <a:endParaRPr lang="en-US" altLang="zh-CN" sz="1200" b="0" i="0" u="none" strike="noStrike" kern="1200" dirty="0">
+              <a:solidFill>
+                <a:schemeClr val="tx1"/>
+              </a:solidFill>
+              <a:effectLst/>
+              <a:latin typeface="+mn-lt"/>
+              <a:ea typeface="+mn-ea"/>
+              <a:cs typeface="+mn-cs"/>
+            </a:endParaRPr>
+          </a:p>
+          <a:p>
+            <a:endParaRPr lang="en-US" altLang="zh-CN" sz="1200" b="0" i="0" kern="1200" dirty="0">
+              <a:solidFill>
+                <a:schemeClr val="tx1"/>
+              </a:solidFill>
+              <a:effectLst/>
+              <a:latin typeface="+mn-lt"/>
+              <a:ea typeface="+mn-ea"/>
+              <a:cs typeface="+mn-cs"/>
+            </a:endParaRPr>
+          </a:p>
+          <a:p>
+            <a:endParaRPr lang="en-US" altLang="zh-CN" sz="1200" b="0" i="0" kern="1200" dirty="0">
+              <a:solidFill>
+                <a:schemeClr val="tx1"/>
+              </a:solidFill>
+              <a:effectLst/>
+              <a:latin typeface="+mn-lt"/>
+              <a:ea typeface="+mn-ea"/>
+              <a:cs typeface="+mn-cs"/>
+            </a:endParaRPr>
+          </a:p>
+          <a:p>
+            <a:endParaRPr lang="en-US" altLang="zh-CN" sz="1200" b="0" i="0" kern="1200" dirty="0">
+              <a:solidFill>
+                <a:schemeClr val="tx1"/>
+              </a:solidFill>
+              <a:effectLst/>
+              <a:latin typeface="+mn-lt"/>
+              <a:ea typeface="+mn-ea"/>
+              <a:cs typeface="+mn-cs"/>
+            </a:endParaRPr>
+          </a:p>
+          <a:p>
+            <a:endParaRPr lang="en-US" altLang="zh-CN" sz="1200" b="0" i="0" kern="1200" dirty="0">
+              <a:solidFill>
+                <a:schemeClr val="tx1"/>
+              </a:solidFill>
+              <a:effectLst/>
+              <a:latin typeface="+mn-lt"/>
+              <a:ea typeface="+mn-ea"/>
+              <a:cs typeface="+mn-cs"/>
+            </a:endParaRPr>
+          </a:p>
+          <a:p>
+            <a:endParaRPr lang="en-US" altLang="zh-CN" sz="1200" b="0" i="0" kern="1200" dirty="0">
+              <a:solidFill>
+                <a:schemeClr val="tx1"/>
+              </a:solidFill>
+              <a:effectLst/>
+              <a:latin typeface="+mn-lt"/>
+              <a:ea typeface="+mn-ea"/>
+              <a:cs typeface="+mn-cs"/>
+            </a:endParaRPr>
+          </a:p>
+          <a:p>
+            <a:endParaRPr lang="en-US" altLang="zh-CN" sz="1200" b="0" i="0" kern="1200" dirty="0">
+              <a:solidFill>
+                <a:schemeClr val="tx1"/>
+              </a:solidFill>
+              <a:effectLst/>
+              <a:latin typeface="+mn-lt"/>
+              <a:ea typeface="+mn-ea"/>
+              <a:cs typeface="+mn-cs"/>
+            </a:endParaRPr>
+          </a:p>
+          <a:p>
             <a:r>
               <a:rPr lang="zh-CN" altLang="en-US" sz="1200" b="0" i="0" kern="1200" dirty="0">
                 <a:solidFill>
@@ -3981,6 +4243,189 @@
           <a:lstStyle/>
           <a:p>
             <a:r>
+              <a:rPr lang="zh-CN" altLang="en-US" sz="1200" b="0" i="0" u="none" strike="noStrike" kern="1200" dirty="0">
+                <a:solidFill>
+                  <a:schemeClr val="tx1"/>
+                </a:solidFill>
+                <a:effectLst/>
+                <a:latin typeface="+mn-lt"/>
+                <a:ea typeface="+mn-ea"/>
+                <a:cs typeface="+mn-cs"/>
+              </a:rPr>
+              <a:t>同时由于</a:t>
+            </a:r>
+            <a:r>
+              <a:rPr lang="en-US" altLang="zh-CN" sz="1200" b="0" i="0" u="none" strike="noStrike" kern="1200" dirty="0" err="1">
+                <a:solidFill>
+                  <a:schemeClr val="tx1"/>
+                </a:solidFill>
+                <a:effectLst/>
+                <a:latin typeface="+mn-lt"/>
+                <a:ea typeface="+mn-ea"/>
+                <a:cs typeface="+mn-cs"/>
+              </a:rPr>
+              <a:t>DoG</a:t>
+            </a:r>
+            <a:r>
+              <a:rPr lang="zh-CN" altLang="en-US" sz="1200" b="0" i="0" u="none" strike="noStrike" kern="1200" dirty="0">
+                <a:solidFill>
+                  <a:schemeClr val="tx1"/>
+                </a:solidFill>
+                <a:effectLst/>
+                <a:latin typeface="+mn-lt"/>
+                <a:ea typeface="+mn-ea"/>
+                <a:cs typeface="+mn-cs"/>
+              </a:rPr>
+              <a:t>对图像中的边缘有比较强的响应值，而一旦特征点落在图像的边缘上，这些点就是不稳定的点，</a:t>
+            </a:r>
+            <a:endParaRPr lang="en-US" altLang="zh-CN" sz="1200" b="0" i="0" u="none" strike="noStrike" kern="1200" dirty="0">
+              <a:solidFill>
+                <a:schemeClr val="tx1"/>
+              </a:solidFill>
+              <a:effectLst/>
+              <a:latin typeface="+mn-lt"/>
+              <a:ea typeface="+mn-ea"/>
+              <a:cs typeface="+mn-cs"/>
+            </a:endParaRPr>
+          </a:p>
+          <a:p>
+            <a:endParaRPr lang="en-US" altLang="zh-CN" sz="1200" b="0" i="0" u="none" strike="noStrike" kern="1200" dirty="0">
+              <a:solidFill>
+                <a:schemeClr val="tx1"/>
+              </a:solidFill>
+              <a:effectLst/>
+              <a:latin typeface="+mn-lt"/>
+              <a:ea typeface="+mn-ea"/>
+              <a:cs typeface="+mn-cs"/>
+            </a:endParaRPr>
+          </a:p>
+          <a:p>
+            <a:r>
+              <a:rPr lang="zh-CN" altLang="en-US" sz="1200" b="0" i="0" u="none" strike="noStrike" kern="1200" dirty="0">
+                <a:solidFill>
+                  <a:schemeClr val="tx1"/>
+                </a:solidFill>
+                <a:effectLst/>
+                <a:latin typeface="+mn-lt"/>
+                <a:ea typeface="+mn-ea"/>
+                <a:cs typeface="+mn-cs"/>
+              </a:rPr>
+              <a:t>所以还要根据“在横跨边缘的地方有较大的主曲率，而在垂直边缘的方向有较小的主曲率”这一性质，通过计算</a:t>
+            </a:r>
+            <a:r>
+              <a:rPr lang="en-US" altLang="zh-CN" sz="1200" b="0" i="0" u="none" strike="noStrike" kern="1200" dirty="0">
+                <a:solidFill>
+                  <a:schemeClr val="tx1"/>
+                </a:solidFill>
+                <a:effectLst/>
+                <a:latin typeface="+mn-lt"/>
+                <a:ea typeface="+mn-ea"/>
+                <a:cs typeface="+mn-cs"/>
+              </a:rPr>
+              <a:t>Hessian</a:t>
+            </a:r>
+            <a:r>
+              <a:rPr lang="zh-CN" altLang="en-US" sz="1200" b="0" i="0" u="none" strike="noStrike" kern="1200" dirty="0">
+                <a:solidFill>
+                  <a:schemeClr val="tx1"/>
+                </a:solidFill>
+                <a:effectLst/>
+                <a:latin typeface="+mn-lt"/>
+                <a:ea typeface="+mn-ea"/>
+                <a:cs typeface="+mn-cs"/>
+              </a:rPr>
+              <a:t>矩阵的直迹、行列式进行计算，删除曲率不符合性质的点。</a:t>
+            </a:r>
+            <a:endParaRPr lang="en-US" altLang="zh-CN" sz="1200" b="0" i="0" kern="1200" dirty="0">
+              <a:solidFill>
+                <a:schemeClr val="tx1"/>
+              </a:solidFill>
+              <a:effectLst/>
+              <a:latin typeface="+mn-lt"/>
+              <a:ea typeface="+mn-ea"/>
+              <a:cs typeface="+mn-cs"/>
+            </a:endParaRPr>
+          </a:p>
+          <a:p>
+            <a:endParaRPr lang="en-US" altLang="zh-CN" sz="1200" b="0" i="0" kern="1200" dirty="0">
+              <a:solidFill>
+                <a:schemeClr val="tx1"/>
+              </a:solidFill>
+              <a:effectLst/>
+              <a:latin typeface="+mn-lt"/>
+              <a:ea typeface="+mn-ea"/>
+              <a:cs typeface="+mn-cs"/>
+            </a:endParaRPr>
+          </a:p>
+          <a:p>
+            <a:r>
+              <a:rPr lang="zh-CN" altLang="en-US" sz="1200" b="0" i="0" u="none" strike="noStrike" kern="1200" dirty="0">
+                <a:solidFill>
+                  <a:schemeClr val="tx1"/>
+                </a:solidFill>
+                <a:effectLst/>
+                <a:latin typeface="+mn-lt"/>
+                <a:ea typeface="+mn-ea"/>
+                <a:cs typeface="+mn-cs"/>
+              </a:rPr>
+              <a:t>此外还有阈值二值化、舍去低对比度的极值点等操作，不多赘述。</a:t>
+            </a:r>
+            <a:endParaRPr lang="en-US" altLang="zh-CN" sz="1200" b="0" i="0" kern="1200" dirty="0">
+              <a:solidFill>
+                <a:schemeClr val="tx1"/>
+              </a:solidFill>
+              <a:effectLst/>
+              <a:latin typeface="+mn-lt"/>
+              <a:ea typeface="+mn-ea"/>
+              <a:cs typeface="+mn-cs"/>
+            </a:endParaRPr>
+          </a:p>
+          <a:p>
+            <a:endParaRPr lang="en-US" altLang="zh-CN" sz="1200" b="0" i="0" kern="1200" dirty="0">
+              <a:solidFill>
+                <a:schemeClr val="tx1"/>
+              </a:solidFill>
+              <a:effectLst/>
+              <a:latin typeface="+mn-lt"/>
+              <a:ea typeface="+mn-ea"/>
+              <a:cs typeface="+mn-cs"/>
+            </a:endParaRPr>
+          </a:p>
+          <a:p>
+            <a:endParaRPr lang="en-US" altLang="zh-CN" sz="1200" b="0" i="0" kern="1200" dirty="0">
+              <a:solidFill>
+                <a:schemeClr val="tx1"/>
+              </a:solidFill>
+              <a:effectLst/>
+              <a:latin typeface="+mn-lt"/>
+              <a:ea typeface="+mn-ea"/>
+              <a:cs typeface="+mn-cs"/>
+            </a:endParaRPr>
+          </a:p>
+          <a:p>
+            <a:endParaRPr lang="en-US" altLang="zh-CN" sz="1200" b="0" i="0" kern="1200" dirty="0">
+              <a:solidFill>
+                <a:schemeClr val="tx1"/>
+              </a:solidFill>
+              <a:effectLst/>
+              <a:latin typeface="+mn-lt"/>
+              <a:ea typeface="+mn-ea"/>
+              <a:cs typeface="+mn-cs"/>
+            </a:endParaRPr>
+          </a:p>
+          <a:p>
+            <a:endParaRPr lang="en-US" altLang="zh-CN" sz="1200" b="0" i="0" kern="1200" dirty="0">
+              <a:solidFill>
+                <a:schemeClr val="tx1"/>
+              </a:solidFill>
+              <a:effectLst/>
+              <a:latin typeface="+mn-lt"/>
+              <a:ea typeface="+mn-ea"/>
+              <a:cs typeface="+mn-cs"/>
+            </a:endParaRPr>
+          </a:p>
+          <a:p>
+            <a:r>
               <a:rPr lang="zh-CN" altLang="en-US" sz="1200" b="0" i="0" kern="1200" dirty="0">
                 <a:solidFill>
                   <a:schemeClr val="tx1"/>
@@ -4820,54 +5265,32 @@
           <a:lstStyle/>
           <a:p>
             <a:r>
-              <a:rPr lang="zh-CN" altLang="en-US" sz="1200" b="0" i="0" kern="1200" dirty="0">
-                <a:solidFill>
-                  <a:schemeClr val="tx1"/>
-                </a:solidFill>
-                <a:effectLst/>
-                <a:latin typeface="+mn-lt"/>
-                <a:ea typeface="+mn-ea"/>
-                <a:cs typeface="+mn-cs"/>
-              </a:rPr>
-              <a:t>在高斯差分图中找到了极值点，再回到原来的高斯金字塔图中寻找与</a:t>
-            </a:r>
-            <a:r>
-              <a:rPr lang="el-GR" altLang="zh-CN" sz="1200" b="0" i="0" kern="1200" dirty="0">
-                <a:solidFill>
-                  <a:schemeClr val="tx1"/>
-                </a:solidFill>
-                <a:effectLst/>
-                <a:latin typeface="+mn-lt"/>
-                <a:ea typeface="+mn-ea"/>
-                <a:cs typeface="+mn-cs"/>
-              </a:rPr>
-              <a:t>σ</a:t>
-            </a:r>
-            <a:r>
-              <a:rPr lang="zh-CN" altLang="el-GR" sz="1200" b="0" i="0" kern="1200" dirty="0">
-                <a:solidFill>
-                  <a:schemeClr val="tx1"/>
-                </a:solidFill>
-                <a:effectLst/>
-                <a:latin typeface="+mn-lt"/>
-                <a:ea typeface="+mn-ea"/>
-                <a:cs typeface="+mn-cs"/>
-              </a:rPr>
-              <a:t>（</a:t>
-            </a:r>
-            <a:r>
-              <a:rPr lang="zh-CN" altLang="en-US" sz="1200" b="0" i="0" kern="1200" dirty="0">
-                <a:solidFill>
-                  <a:schemeClr val="tx1"/>
-                </a:solidFill>
-                <a:effectLst/>
-                <a:latin typeface="+mn-lt"/>
-                <a:ea typeface="+mn-ea"/>
-                <a:cs typeface="+mn-cs"/>
-              </a:rPr>
-              <a:t>尺度）相近的高斯图像， 在以关键点为中心的邻域窗口内采样，并用直方图统计邻域像素的梯度方向。</a:t>
-            </a:r>
-            <a:endParaRPr lang="en-US" altLang="zh-CN" sz="1200" b="0" i="0" kern="1200" dirty="0">
+              <a:rPr lang="zh-CN" altLang="en-US" sz="1200" b="0" i="0" u="none" strike="noStrike" kern="1200" dirty="0">
+                <a:solidFill>
+                  <a:schemeClr val="tx1"/>
+                </a:solidFill>
+                <a:effectLst/>
+                <a:latin typeface="+mn-lt"/>
+                <a:ea typeface="+mn-ea"/>
+                <a:cs typeface="+mn-cs"/>
+              </a:rPr>
+              <a:t>在高斯差分图中找到了极值点，之后便是回到尺度空间，以关键点为中心的邻域窗口内采样，并用直方图统计邻域像素的梯度方向。</a:t>
+            </a:r>
+          </a:p>
+          <a:p>
+            <a:r>
+              <a:rPr lang="zh-CN" altLang="en-US" sz="1200" b="0" i="0" u="none" strike="noStrike" kern="1200" dirty="0">
+                <a:solidFill>
+                  <a:schemeClr val="tx1"/>
+                </a:solidFill>
+                <a:effectLst/>
+                <a:latin typeface="+mn-lt"/>
+                <a:ea typeface="+mn-ea"/>
+                <a:cs typeface="+mn-cs"/>
+              </a:rPr>
+              <a:t>方向直方图的峰值则代表了该特征点处邻域梯度的方向，以直方图中最大值作为该关键点的主方向。</a:t>
+            </a:r>
+            <a:endParaRPr lang="en-US" altLang="zh-CN" sz="1200" b="0" i="0" u="none" strike="noStrike" kern="1200" dirty="0">
               <a:solidFill>
                 <a:schemeClr val="tx1"/>
               </a:solidFill>
@@ -4878,7 +5301,7 @@
             </a:endParaRPr>
           </a:p>
           <a:p>
-            <a:endParaRPr kumimoji="1" lang="en-US" altLang="zh-CN" sz="1200" b="0" i="0" kern="1200" dirty="0">
+            <a:endParaRPr lang="en-US" altLang="zh-CN" sz="1200" b="0" i="0" u="none" strike="noStrike" kern="1200" dirty="0">
               <a:solidFill>
                 <a:schemeClr val="tx1"/>
               </a:solidFill>
@@ -4890,19 +5313,19 @@
           </a:p>
           <a:p>
             <a:r>
-              <a:rPr lang="zh-CN" altLang="en-US" sz="1200" b="0" i="0" kern="1200" dirty="0">
-                <a:solidFill>
-                  <a:schemeClr val="tx1"/>
-                </a:solidFill>
-                <a:effectLst/>
-                <a:latin typeface="+mn-lt"/>
-                <a:ea typeface="+mn-ea"/>
-                <a:cs typeface="+mn-cs"/>
-              </a:rPr>
-              <a:t>方向直方图的峰值则代表了该特征点处邻域梯度的方向，以直方图中最大值作为该关键点的主方向。为了增强匹配的鲁棒性，只保留峰值大于主方向峰值</a:t>
-            </a:r>
-            <a:r>
-              <a:rPr lang="en-US" altLang="zh-CN" sz="1200" b="0" i="0" kern="1200" dirty="0">
+              <a:rPr lang="zh-CN" altLang="en-US" sz="1200" b="0" i="0" u="none" strike="noStrike" kern="1200" dirty="0">
+                <a:solidFill>
+                  <a:schemeClr val="tx1"/>
+                </a:solidFill>
+                <a:effectLst/>
+                <a:latin typeface="+mn-lt"/>
+                <a:ea typeface="+mn-ea"/>
+                <a:cs typeface="+mn-cs"/>
+              </a:rPr>
+              <a:t>为了增强匹配的鲁棒性，只保留峰值大于主方向峰值</a:t>
+            </a:r>
+            <a:r>
+              <a:rPr lang="en-US" altLang="zh-CN" sz="1200" b="0" i="0" u="none" strike="noStrike" kern="1200" dirty="0">
                 <a:solidFill>
                   <a:schemeClr val="tx1"/>
                 </a:solidFill>
@@ -4914,7 +5337,7 @@
               <a:t>80</a:t>
             </a:r>
             <a:r>
-              <a:rPr lang="zh-CN" altLang="en-US" sz="1200" b="0" i="0" kern="1200" dirty="0">
+              <a:rPr lang="zh-CN" altLang="en-US" sz="1200" b="0" i="0" u="none" strike="noStrike" kern="1200" dirty="0">
                 <a:solidFill>
                   <a:schemeClr val="tx1"/>
                 </a:solidFill>
@@ -4926,7 +5349,7 @@
               <a:t>％的方向（另一个方向的直方图的幅值大于主方向峰值</a:t>
             </a:r>
             <a:r>
-              <a:rPr lang="en-US" altLang="zh-CN" sz="1200" b="0" i="0" kern="1200" dirty="0">
+              <a:rPr lang="en-US" altLang="zh-CN" sz="1200" b="0" i="0" u="none" strike="noStrike" kern="1200" dirty="0">
                 <a:solidFill>
                   <a:schemeClr val="tx1"/>
                 </a:solidFill>
@@ -4938,7 +5361,7 @@
               <a:t>80</a:t>
             </a:r>
             <a:r>
-              <a:rPr lang="zh-CN" altLang="en-US" sz="1200" b="0" i="0" kern="1200" dirty="0">
+              <a:rPr lang="zh-CN" altLang="en-US" sz="1200" b="0" i="0" u="none" strike="noStrike" kern="1200" dirty="0">
                 <a:solidFill>
                   <a:schemeClr val="tx1"/>
                 </a:solidFill>
@@ -4949,7 +5372,24 @@
               </a:rPr>
               <a:t>％的方向）作为该关键点的辅方向。</a:t>
             </a:r>
-            <a:endParaRPr lang="en-US" altLang="zh-CN" sz="1200" b="0" i="0" kern="1200" dirty="0">
+          </a:p>
+          <a:p>
+            <a:br>
+              <a:rPr lang="zh-CN" altLang="en-US" dirty="0"/>
+            </a:br>
+            <a:r>
+              <a:rPr lang="zh-CN" altLang="en-US" sz="1200" b="0" i="0" u="none" strike="noStrike" kern="1200" dirty="0">
+                <a:solidFill>
+                  <a:schemeClr val="tx1"/>
+                </a:solidFill>
+                <a:effectLst/>
+                <a:latin typeface="+mn-lt"/>
+                <a:ea typeface="+mn-ea"/>
+                <a:cs typeface="+mn-cs"/>
+              </a:rPr>
+              <a:t>同时为了防止某个梯度方向角度因受到噪声的干扰而突变，我们还需要对梯度方向直方图进行平滑处理。</a:t>
+            </a:r>
+            <a:endParaRPr lang="en-US" altLang="zh-CN" sz="1200" b="0" i="0" u="none" strike="noStrike" kern="1200" dirty="0">
               <a:solidFill>
                 <a:schemeClr val="tx1"/>
               </a:solidFill>
@@ -4960,7 +5400,7 @@
             </a:endParaRPr>
           </a:p>
           <a:p>
-            <a:endParaRPr kumimoji="1" lang="en-US" altLang="zh-CN" sz="1200" b="0" i="0" kern="1200" dirty="0">
+            <a:endParaRPr kumimoji="1" lang="en-US" altLang="zh-CN" sz="1200" b="0" i="0" u="none" strike="noStrike" kern="1200" dirty="0">
               <a:solidFill>
                 <a:schemeClr val="tx1"/>
               </a:solidFill>
@@ -4971,18 +5411,37 @@
             </a:endParaRPr>
           </a:p>
           <a:p>
-            <a:r>
-              <a:rPr lang="zh-CN" altLang="en-US" sz="1200" b="0" i="0" kern="1200" dirty="0">
-                <a:solidFill>
-                  <a:schemeClr val="tx1"/>
-                </a:solidFill>
-                <a:effectLst/>
-                <a:latin typeface="+mn-lt"/>
-                <a:ea typeface="+mn-ea"/>
-                <a:cs typeface="+mn-cs"/>
-              </a:rPr>
-              <a:t>为了防止某个梯度方向角度因受到噪声的干扰而突变，我们还需要对梯度方向直方图进行平滑处理。</a:t>
-            </a:r>
+            <a:pPr marL="0" marR="0" lvl="0" indent="0" algn="l" defTabSz="914400" rtl="0" eaLnBrk="1" fontAlgn="auto" latinLnBrk="0" hangingPunct="1">
+              <a:lnSpc>
+                <a:spcPct val="100000"/>
+              </a:lnSpc>
+              <a:spcBef>
+                <a:spcPts val="0"/>
+              </a:spcBef>
+              <a:spcAft>
+                <a:spcPts val="0"/>
+              </a:spcAft>
+              <a:buClrTx/>
+              <a:buSzTx/>
+              <a:buFontTx/>
+              <a:buNone/>
+              <a:tabLst/>
+              <a:defRPr/>
+            </a:pPr>
+            <a:r>
+              <a:rPr lang="en-US" altLang="zh-CN" b="1" dirty="0"/>
+              <a:t>Generating Orientations</a:t>
+            </a:r>
+            <a:r>
+              <a:rPr lang="zh-CN" altLang="en-US" b="1" dirty="0"/>
+              <a:t> </a:t>
+            </a:r>
+            <a:r>
+              <a:rPr lang="en-US" altLang="zh-CN" b="1" dirty="0"/>
+              <a:t>and Descriptors</a:t>
+            </a:r>
+          </a:p>
+          <a:p>
             <a:endParaRPr kumimoji="1" lang="zh-CN" altLang="en-US" dirty="0"/>
           </a:p>
         </p:txBody>
@@ -5098,6 +5557,92 @@
             <a:endParaRPr kumimoji="1" lang="en-US" altLang="zh-CN" dirty="0"/>
           </a:p>
           <a:p>
+            <a:endParaRPr kumimoji="1" lang="en-US" altLang="zh-CN" dirty="0"/>
+          </a:p>
+          <a:p>
+            <a:r>
+              <a:rPr lang="zh-CN" altLang="en-US" sz="1200" b="0" i="0" u="none" strike="noStrike" kern="1200" dirty="0">
+                <a:solidFill>
+                  <a:schemeClr val="tx1"/>
+                </a:solidFill>
+                <a:effectLst/>
+                <a:latin typeface="+mn-lt"/>
+                <a:ea typeface="+mn-ea"/>
+                <a:cs typeface="+mn-cs"/>
+              </a:rPr>
+              <a:t>到此，通过</a:t>
+            </a:r>
+            <a:r>
+              <a:rPr lang="en-US" altLang="zh-CN" sz="1200" b="0" i="0" u="none" strike="noStrike" kern="1200" dirty="0">
+                <a:solidFill>
+                  <a:schemeClr val="tx1"/>
+                </a:solidFill>
+                <a:effectLst/>
+                <a:latin typeface="+mn-lt"/>
+                <a:ea typeface="+mn-ea"/>
+                <a:cs typeface="+mn-cs"/>
+              </a:rPr>
+              <a:t>sift</a:t>
+            </a:r>
+            <a:r>
+              <a:rPr lang="zh-CN" altLang="en-US" sz="1200" b="0" i="0" u="none" strike="noStrike" kern="1200" dirty="0">
+                <a:solidFill>
+                  <a:schemeClr val="tx1"/>
+                </a:solidFill>
+                <a:effectLst/>
+                <a:latin typeface="+mn-lt"/>
+                <a:ea typeface="+mn-ea"/>
+                <a:cs typeface="+mn-cs"/>
+              </a:rPr>
+              <a:t>算法生成了一幅图像的关键点和描述子。</a:t>
+            </a:r>
+            <a:endParaRPr lang="en-US" altLang="zh-CN" sz="1200" b="0" i="0" u="none" strike="noStrike" kern="1200" dirty="0">
+              <a:solidFill>
+                <a:schemeClr val="tx1"/>
+              </a:solidFill>
+              <a:effectLst/>
+              <a:latin typeface="+mn-lt"/>
+              <a:ea typeface="+mn-ea"/>
+              <a:cs typeface="+mn-cs"/>
+            </a:endParaRPr>
+          </a:p>
+          <a:p>
+            <a:r>
+              <a:rPr kumimoji="1" lang="zh-CN" altLang="en-US" sz="1200" b="0" i="0" u="none" strike="noStrike" kern="1200" dirty="0">
+                <a:solidFill>
+                  <a:schemeClr val="tx1"/>
+                </a:solidFill>
+                <a:effectLst/>
+                <a:latin typeface="+mn-lt"/>
+                <a:ea typeface="+mn-ea"/>
+                <a:cs typeface="+mn-cs"/>
+              </a:rPr>
+              <a:t>以上就是关于</a:t>
+            </a:r>
+            <a:r>
+              <a:rPr kumimoji="1" lang="en-US" altLang="zh-CN" sz="1200" b="0" i="0" u="none" strike="noStrike" kern="1200" dirty="0">
+                <a:solidFill>
+                  <a:schemeClr val="tx1"/>
+                </a:solidFill>
+                <a:effectLst/>
+                <a:latin typeface="+mn-lt"/>
+                <a:ea typeface="+mn-ea"/>
+                <a:cs typeface="+mn-cs"/>
+              </a:rPr>
+              <a:t>sift</a:t>
+            </a:r>
+            <a:r>
+              <a:rPr kumimoji="1" lang="zh-CN" altLang="en-US" sz="1200" b="0" i="0" u="none" strike="noStrike" kern="1200" dirty="0">
+                <a:solidFill>
+                  <a:schemeClr val="tx1"/>
+                </a:solidFill>
+                <a:effectLst/>
+                <a:latin typeface="+mn-lt"/>
+                <a:ea typeface="+mn-ea"/>
+                <a:cs typeface="+mn-cs"/>
+              </a:rPr>
+              <a:t>算法的简要分享</a:t>
+            </a:r>
             <a:endParaRPr kumimoji="1" lang="zh-CN" altLang="en-US" dirty="0"/>
           </a:p>
         </p:txBody>
@@ -8909,19 +9454,21 @@
             <p:ph type="title"/>
           </p:nvPr>
         </p:nvSpPr>
-        <p:spPr/>
+        <p:spPr>
+          <a:xfrm>
+            <a:off x="1355834" y="136525"/>
+            <a:ext cx="8556792" cy="877722"/>
+          </a:xfrm>
+        </p:spPr>
         <p:txBody>
           <a:bodyPr/>
           <a:lstStyle/>
           <a:p>
             <a:r>
               <a:rPr kumimoji="1" lang="en-US" altLang="zh-CN" dirty="0"/>
-              <a:t>SIFT——</a:t>
-            </a:r>
-            <a:r>
-              <a:rPr kumimoji="1" lang="zh-CN" altLang="en-US" dirty="0"/>
-              <a:t>确定主方位和描述子</a:t>
-            </a:r>
+              <a:t>SIFT —— Generating Orientations &amp; Descriptors</a:t>
+            </a:r>
+            <a:endParaRPr kumimoji="1" lang="zh-CN" altLang="en-US" dirty="0"/>
           </a:p>
         </p:txBody>
       </p:sp>
@@ -9000,7 +9547,7 @@
         <p:spPr>
           <a:xfrm>
             <a:off x="8950216" y="2690336"/>
-            <a:ext cx="1885950" cy="1477328"/>
+            <a:ext cx="1885950" cy="2031325"/>
           </a:xfrm>
           <a:prstGeom prst="rect">
             <a:avLst/>
@@ -9014,45 +9561,28 @@
           <a:lstStyle/>
           <a:p>
             <a:r>
-              <a:rPr kumimoji="1" lang="zh-CN" altLang="en-US" dirty="0"/>
-              <a:t>鲁棒性要求：</a:t>
-            </a:r>
+              <a:rPr kumimoji="1" lang="en-US" altLang="zh-CN" dirty="0"/>
+              <a:t>Robustness requirements:</a:t>
+            </a:r>
+          </a:p>
+          <a:p>
             <a:endParaRPr kumimoji="1" lang="en-US" altLang="zh-CN" dirty="0"/>
           </a:p>
           <a:p>
-            <a:pPr marL="285750" indent="-285750">
-              <a:buFontTx/>
-              <a:buChar char="-"/>
-            </a:pPr>
+            <a:r>
+              <a:rPr kumimoji="1" lang="en-US" altLang="zh-CN" dirty="0"/>
+              <a:t>- Secondary direction</a:t>
+            </a:r>
+          </a:p>
+          <a:p>
             <a:endParaRPr kumimoji="1" lang="en-US" altLang="zh-CN" dirty="0"/>
           </a:p>
           <a:p>
-            <a:pPr marL="285750" indent="-285750">
-              <a:buFontTx/>
-              <a:buChar char="-"/>
-            </a:pPr>
-            <a:r>
-              <a:rPr kumimoji="1" lang="zh-CN" altLang="en-US" dirty="0"/>
-              <a:t>辅方向</a:t>
-            </a:r>
-            <a:endParaRPr kumimoji="1" lang="en-US" altLang="zh-CN" dirty="0"/>
-          </a:p>
-          <a:p>
-            <a:pPr marL="285750" indent="-285750">
-              <a:buFontTx/>
-              <a:buChar char="-"/>
-            </a:pPr>
-            <a:endParaRPr kumimoji="1" lang="en-US" altLang="zh-CN" dirty="0"/>
-          </a:p>
-          <a:p>
-            <a:pPr marL="285750" indent="-285750">
-              <a:buFontTx/>
-              <a:buChar char="-"/>
-            </a:pPr>
-            <a:r>
-              <a:rPr kumimoji="1" lang="zh-CN" altLang="en-US" dirty="0"/>
-              <a:t>平滑处理</a:t>
-            </a:r>
+            <a:r>
+              <a:rPr kumimoji="1" lang="en-US" altLang="zh-CN" dirty="0"/>
+              <a:t>- Smoothing</a:t>
+            </a:r>
+            <a:endParaRPr kumimoji="1" lang="zh-CN" altLang="en-US" dirty="0"/>
           </a:p>
         </p:txBody>
       </p:sp>
@@ -9102,19 +9632,21 @@
             <p:ph type="title"/>
           </p:nvPr>
         </p:nvSpPr>
-        <p:spPr/>
+        <p:spPr>
+          <a:xfrm>
+            <a:off x="1355834" y="136525"/>
+            <a:ext cx="8556792" cy="877722"/>
+          </a:xfrm>
+        </p:spPr>
         <p:txBody>
           <a:bodyPr/>
           <a:lstStyle/>
           <a:p>
             <a:r>
               <a:rPr kumimoji="1" lang="en-US" altLang="zh-CN" dirty="0"/>
-              <a:t>SIFT——</a:t>
-            </a:r>
-            <a:r>
-              <a:rPr kumimoji="1" lang="zh-CN" altLang="en-US" dirty="0"/>
-              <a:t>确定主方位和描述子</a:t>
-            </a:r>
+              <a:t>SIFT —— Generating Orientations &amp; Descriptors</a:t>
+            </a:r>
+            <a:endParaRPr kumimoji="1" lang="zh-CN" altLang="en-US" dirty="0"/>
           </a:p>
         </p:txBody>
       </p:sp>
@@ -9161,6 +9693,125 @@
 </p:sld>
 </file>
 
+<file path=ppt/slides/slide12.xml><?xml version="1.0" encoding="utf-8"?>
+<p:sld xmlns:a="http://schemas.openxmlformats.org/drawingml/2006/main" xmlns:r="http://schemas.openxmlformats.org/officeDocument/2006/relationships" xmlns:p="http://schemas.openxmlformats.org/presentationml/2006/main">
+  <p:cSld>
+    <p:spTree>
+      <p:nvGrpSpPr>
+        <p:cNvPr id="1" name=""/>
+        <p:cNvGrpSpPr/>
+        <p:nvPr/>
+      </p:nvGrpSpPr>
+      <p:grpSpPr>
+        <a:xfrm>
+          <a:off x="0" y="0"/>
+          <a:ext cx="0" cy="0"/>
+          <a:chOff x="0" y="0"/>
+          <a:chExt cx="0" cy="0"/>
+        </a:xfrm>
+      </p:grpSpPr>
+      <p:sp>
+        <p:nvSpPr>
+          <p:cNvPr id="5" name="标题 4">
+            <a:extLst>
+              <a:ext uri="{FF2B5EF4-FFF2-40B4-BE49-F238E27FC236}">
+                <a16:creationId xmlns:a16="http://schemas.microsoft.com/office/drawing/2014/main" id="{85ECBE25-C125-E44A-B1BD-6412074DB88A}"/>
+              </a:ext>
+            </a:extLst>
+          </p:cNvPr>
+          <p:cNvSpPr>
+            <a:spLocks noGrp="1"/>
+          </p:cNvSpPr>
+          <p:nvPr>
+            <p:ph type="title"/>
+          </p:nvPr>
+        </p:nvSpPr>
+        <p:spPr/>
+        <p:txBody>
+          <a:bodyPr/>
+          <a:lstStyle/>
+          <a:p>
+            <a:r>
+              <a:rPr kumimoji="1" lang="en-US" altLang="zh-CN" dirty="0"/>
+              <a:t>SIFT —— Result</a:t>
+            </a:r>
+            <a:endParaRPr kumimoji="1" lang="zh-CN" altLang="en-US" dirty="0"/>
+          </a:p>
+        </p:txBody>
+      </p:sp>
+      <p:pic>
+        <p:nvPicPr>
+          <p:cNvPr id="2" name="图片 1">
+            <a:extLst>
+              <a:ext uri="{FF2B5EF4-FFF2-40B4-BE49-F238E27FC236}">
+                <a16:creationId xmlns:a16="http://schemas.microsoft.com/office/drawing/2014/main" id="{EB6C9F82-D403-A240-AA1B-82C85DCDDBD9}"/>
+              </a:ext>
+            </a:extLst>
+          </p:cNvPr>
+          <p:cNvPicPr>
+            <a:picLocks noChangeAspect="1"/>
+          </p:cNvPicPr>
+          <p:nvPr/>
+        </p:nvPicPr>
+        <p:blipFill>
+          <a:blip r:embed="rId3"/>
+          <a:stretch>
+            <a:fillRect/>
+          </a:stretch>
+        </p:blipFill>
+        <p:spPr>
+          <a:xfrm>
+            <a:off x="936488" y="1077195"/>
+            <a:ext cx="6749372" cy="3114813"/>
+          </a:xfrm>
+          <a:prstGeom prst="rect">
+            <a:avLst/>
+          </a:prstGeom>
+        </p:spPr>
+      </p:pic>
+      <p:pic>
+        <p:nvPicPr>
+          <p:cNvPr id="4" name="图片 3">
+            <a:extLst>
+              <a:ext uri="{FF2B5EF4-FFF2-40B4-BE49-F238E27FC236}">
+                <a16:creationId xmlns:a16="http://schemas.microsoft.com/office/drawing/2014/main" id="{15C635C8-2E64-C747-8D4A-40C7E73F63F9}"/>
+              </a:ext>
+            </a:extLst>
+          </p:cNvPr>
+          <p:cNvPicPr>
+            <a:picLocks noChangeAspect="1"/>
+          </p:cNvPicPr>
+          <p:nvPr/>
+        </p:nvPicPr>
+        <p:blipFill>
+          <a:blip r:embed="rId4"/>
+          <a:stretch>
+            <a:fillRect/>
+          </a:stretch>
+        </p:blipFill>
+        <p:spPr>
+          <a:xfrm>
+            <a:off x="4311174" y="1870489"/>
+            <a:ext cx="7632700" cy="3594100"/>
+          </a:xfrm>
+          <a:prstGeom prst="rect">
+            <a:avLst/>
+          </a:prstGeom>
+        </p:spPr>
+      </p:pic>
+    </p:spTree>
+    <p:extLst>
+      <p:ext uri="{BB962C8B-B14F-4D97-AF65-F5344CB8AC3E}">
+        <p14:creationId xmlns:p14="http://schemas.microsoft.com/office/powerpoint/2010/main" val="3162755212"/>
+      </p:ext>
+    </p:extLst>
+  </p:cSld>
+  <p:clrMapOvr>
+    <a:masterClrMapping/>
+  </p:clrMapOvr>
+</p:sld>
+</file>
+
 <file path=ppt/slides/slide2.xml><?xml version="1.0" encoding="utf-8"?>
 <p:sld xmlns:a="http://schemas.openxmlformats.org/drawingml/2006/main" xmlns:r="http://schemas.openxmlformats.org/officeDocument/2006/relationships" xmlns:p="http://schemas.openxmlformats.org/presentationml/2006/main">
   <p:cSld>
@@ -9485,12 +10136,9 @@
           <a:p>
             <a:r>
               <a:rPr kumimoji="1" lang="en-US" altLang="zh-CN" dirty="0"/>
-              <a:t>SIFT</a:t>
-            </a:r>
-            <a:r>
-              <a:rPr kumimoji="1" lang="zh-CN" altLang="en-US" dirty="0"/>
-              <a:t>基本流程</a:t>
-            </a:r>
+              <a:t>SIFT Basic process</a:t>
+            </a:r>
+            <a:endParaRPr kumimoji="1" lang="zh-CN" altLang="en-US" dirty="0"/>
           </a:p>
         </p:txBody>
       </p:sp>
@@ -9509,7 +10157,7 @@
         <p:spPr>
           <a:xfrm>
             <a:off x="1355834" y="1951672"/>
-            <a:ext cx="4543425" cy="1477328"/>
+            <a:ext cx="5601557" cy="1754326"/>
           </a:xfrm>
           <a:prstGeom prst="rect">
             <a:avLst/>
@@ -9523,11 +10171,29 @@
           <a:lstStyle/>
           <a:p>
             <a:pPr marL="342900" indent="-342900">
+              <a:buFontTx/>
               <a:buAutoNum type="arabicPeriod"/>
             </a:pPr>
             <a:r>
-              <a:rPr kumimoji="1" lang="zh-CN" altLang="en-US" dirty="0"/>
-              <a:t>建立高斯金字塔</a:t>
+              <a:rPr lang="en-US" altLang="zh-CN" b="1" dirty="0"/>
+              <a:t>Scale Space and Image Pyramids</a:t>
+            </a:r>
+          </a:p>
+          <a:p>
+            <a:pPr marL="342900" indent="-342900">
+              <a:buFontTx/>
+              <a:buAutoNum type="arabicPeriod"/>
+            </a:pPr>
+            <a:endParaRPr kumimoji="1" lang="en-US" altLang="zh-CN" dirty="0"/>
+          </a:p>
+          <a:p>
+            <a:pPr marL="342900" indent="-342900">
+              <a:buFontTx/>
+              <a:buAutoNum type="arabicPeriod"/>
+            </a:pPr>
+            <a:r>
+              <a:rPr lang="en-US" altLang="zh-CN" b="1" dirty="0"/>
+              <a:t>Localizing Extrema</a:t>
             </a:r>
             <a:endParaRPr kumimoji="1" lang="en-US" altLang="zh-CN" dirty="0"/>
           </a:p>
@@ -9539,28 +10205,27 @@
           </a:p>
           <a:p>
             <a:pPr marL="342900" indent="-342900">
+              <a:buFontTx/>
               <a:buAutoNum type="arabicPeriod"/>
             </a:pPr>
             <a:r>
-              <a:rPr kumimoji="1" lang="zh-CN" altLang="en-US" dirty="0"/>
-              <a:t>极值点的定位</a:t>
-            </a:r>
-            <a:endParaRPr kumimoji="1" lang="en-US" altLang="zh-CN" dirty="0"/>
+              <a:rPr lang="en-US" altLang="zh-CN" b="1" dirty="0"/>
+              <a:t>Generating Orientations</a:t>
+            </a:r>
+            <a:r>
+              <a:rPr lang="zh-CN" altLang="en-US" b="1" dirty="0"/>
+              <a:t> </a:t>
+            </a:r>
+            <a:r>
+              <a:rPr lang="en-US" altLang="zh-CN" b="1" dirty="0"/>
+              <a:t>and Descriptors</a:t>
+            </a:r>
           </a:p>
           <a:p>
             <a:pPr marL="342900" indent="-342900">
               <a:buAutoNum type="arabicPeriod"/>
             </a:pPr>
-            <a:endParaRPr kumimoji="1" lang="en-US" altLang="zh-CN" dirty="0"/>
-          </a:p>
-          <a:p>
-            <a:pPr marL="342900" indent="-342900">
-              <a:buAutoNum type="arabicPeriod"/>
-            </a:pPr>
-            <a:r>
-              <a:rPr kumimoji="1" lang="zh-CN" altLang="en-US" dirty="0"/>
-              <a:t>确定关键点的主方位和描述子</a:t>
-            </a:r>
+            <a:endParaRPr kumimoji="1" lang="zh-CN" altLang="en-US" dirty="0"/>
           </a:p>
         </p:txBody>
       </p:sp>
@@ -9610,19 +10275,21 @@
             <p:ph type="title"/>
           </p:nvPr>
         </p:nvSpPr>
-        <p:spPr/>
+        <p:spPr>
+          <a:xfrm>
+            <a:off x="1355834" y="136525"/>
+            <a:ext cx="7258079" cy="877722"/>
+          </a:xfrm>
+        </p:spPr>
         <p:txBody>
           <a:bodyPr/>
           <a:lstStyle/>
           <a:p>
             <a:r>
               <a:rPr kumimoji="1" lang="en-US" altLang="zh-CN" dirty="0"/>
-              <a:t>SIFT——</a:t>
-            </a:r>
-            <a:r>
-              <a:rPr kumimoji="1" lang="zh-CN" altLang="en-US" dirty="0"/>
-              <a:t>建立高斯金字塔</a:t>
-            </a:r>
+              <a:t>SIFT —— Scale Space &amp; Image Pyramids</a:t>
+            </a:r>
+            <a:endParaRPr kumimoji="1" lang="zh-CN" altLang="en-US" dirty="0"/>
           </a:p>
         </p:txBody>
       </p:sp>
@@ -9641,7 +10308,7 @@
         <p:spPr>
           <a:xfrm>
             <a:off x="1355834" y="1185863"/>
-            <a:ext cx="7159516" cy="369332"/>
+            <a:ext cx="9020618" cy="369332"/>
           </a:xfrm>
           <a:prstGeom prst="rect">
             <a:avLst/>
@@ -9655,20 +10322,8 @@
           <a:lstStyle/>
           <a:p>
             <a:r>
-              <a:rPr lang="zh-CN" altLang="en-US" dirty="0"/>
-              <a:t>高斯金字塔模仿的是图像的不同的</a:t>
-            </a:r>
-            <a:r>
-              <a:rPr lang="zh-CN" altLang="en-US" b="1" dirty="0"/>
-              <a:t>尺度</a:t>
-            </a:r>
-            <a:r>
-              <a:rPr lang="en-US" altLang="zh-CN" b="1" dirty="0"/>
-              <a:t>——</a:t>
-            </a:r>
-            <a:r>
-              <a:rPr lang="zh-CN" altLang="en-US" dirty="0"/>
-              <a:t>“图像的纵深”</a:t>
+              <a:rPr lang="en-US" altLang="zh-CN" dirty="0"/>
+              <a:t>The Gaussian pyramid imitates different scales of the image --"the depth of the image"</a:t>
             </a:r>
             <a:endParaRPr kumimoji="1" lang="zh-CN" altLang="en-US" b="1" dirty="0"/>
           </a:p>
@@ -9719,7 +10374,7 @@
         <p:spPr>
           <a:xfrm>
             <a:off x="1355834" y="1726811"/>
-            <a:ext cx="7159516" cy="369332"/>
+            <a:ext cx="8888304" cy="646331"/>
           </a:xfrm>
           <a:prstGeom prst="rect">
             <a:avLst/>
@@ -9733,8 +10388,8 @@
           <a:lstStyle/>
           <a:p>
             <a:r>
-              <a:rPr lang="zh-CN" altLang="en-US" dirty="0"/>
-              <a:t>图像的尺度空间解决的问题是如何对图像在所有尺度下描述的问题。</a:t>
+              <a:rPr lang="en-US" altLang="zh-CN" dirty="0"/>
+              <a:t>The problem solved by the scale space of the image is how to describe the image at all scales.</a:t>
             </a:r>
             <a:endParaRPr kumimoji="1" lang="zh-CN" altLang="en-US" dirty="0"/>
           </a:p>
@@ -9770,38 +10425,6 @@
           <a:chExt cx="0" cy="0"/>
         </a:xfrm>
       </p:grpSpPr>
-      <p:sp>
-        <p:nvSpPr>
-          <p:cNvPr id="5" name="标题 4">
-            <a:extLst>
-              <a:ext uri="{FF2B5EF4-FFF2-40B4-BE49-F238E27FC236}">
-                <a16:creationId xmlns:a16="http://schemas.microsoft.com/office/drawing/2014/main" id="{85ECBE25-C125-E44A-B1BD-6412074DB88A}"/>
-              </a:ext>
-            </a:extLst>
-          </p:cNvPr>
-          <p:cNvSpPr>
-            <a:spLocks noGrp="1"/>
-          </p:cNvSpPr>
-          <p:nvPr>
-            <p:ph type="title"/>
-          </p:nvPr>
-        </p:nvSpPr>
-        <p:spPr/>
-        <p:txBody>
-          <a:bodyPr/>
-          <a:lstStyle/>
-          <a:p>
-            <a:r>
-              <a:rPr kumimoji="1" lang="en-US" altLang="zh-CN" dirty="0"/>
-              <a:t>SIFT——</a:t>
-            </a:r>
-            <a:r>
-              <a:rPr kumimoji="1" lang="zh-CN" altLang="en-US" dirty="0"/>
-              <a:t>建立高斯金字塔</a:t>
-            </a:r>
-          </a:p>
-        </p:txBody>
-      </p:sp>
       <p:pic>
         <p:nvPicPr>
           <p:cNvPr id="7" name="图片 6">
@@ -9862,6 +10485,61 @@
           </a:prstGeom>
         </p:spPr>
       </p:pic>
+      <p:sp>
+        <p:nvSpPr>
+          <p:cNvPr id="8" name="标题 4">
+            <a:extLst>
+              <a:ext uri="{FF2B5EF4-FFF2-40B4-BE49-F238E27FC236}">
+                <a16:creationId xmlns:a16="http://schemas.microsoft.com/office/drawing/2014/main" id="{BBEBD717-3D0D-8644-A19A-1327E2B200A8}"/>
+              </a:ext>
+            </a:extLst>
+          </p:cNvPr>
+          <p:cNvSpPr txBox="1">
+            <a:spLocks/>
+          </p:cNvSpPr>
+          <p:nvPr/>
+        </p:nvSpPr>
+        <p:spPr>
+          <a:xfrm>
+            <a:off x="1355834" y="136525"/>
+            <a:ext cx="7258079" cy="877722"/>
+          </a:xfrm>
+          <a:prstGeom prst="rect">
+            <a:avLst/>
+          </a:prstGeom>
+        </p:spPr>
+        <p:txBody>
+          <a:bodyPr vert="horz" lIns="91440" tIns="45720" rIns="91440" bIns="45720" rtlCol="0" anchor="ctr">
+            <a:noAutofit/>
+          </a:bodyPr>
+          <a:lstStyle>
+            <a:lvl1pPr algn="l" defTabSz="914400" rtl="0" eaLnBrk="1" latinLnBrk="0" hangingPunct="1">
+              <a:lnSpc>
+                <a:spcPct val="90000"/>
+              </a:lnSpc>
+              <a:spcBef>
+                <a:spcPct val="0"/>
+              </a:spcBef>
+              <a:buNone/>
+              <a:defRPr sz="2800" kern="1200">
+                <a:solidFill>
+                  <a:schemeClr val="tx1"/>
+                </a:solidFill>
+                <a:latin typeface="Hiragino Mincho ProN W3" panose="02020300000000000000" pitchFamily="18" charset="-128"/>
+                <a:ea typeface="Hiragino Mincho ProN W3" panose="02020300000000000000" pitchFamily="18" charset="-128"/>
+                <a:cs typeface="+mj-cs"/>
+              </a:defRPr>
+            </a:lvl1pPr>
+          </a:lstStyle>
+          <a:p>
+            <a:r>
+              <a:rPr kumimoji="1" lang="en-US" altLang="zh-CN"/>
+              <a:t>SIFT —— Scale Space &amp; Image Pyramids</a:t>
+            </a:r>
+            <a:endParaRPr kumimoji="1" lang="zh-CN" altLang="en-US" dirty="0"/>
+          </a:p>
+        </p:txBody>
+      </p:sp>
     </p:spTree>
     <p:extLst>
       <p:ext uri="{BB962C8B-B14F-4D97-AF65-F5344CB8AC3E}">
@@ -9892,38 +10570,6 @@
           <a:chExt cx="0" cy="0"/>
         </a:xfrm>
       </p:grpSpPr>
-      <p:sp>
-        <p:nvSpPr>
-          <p:cNvPr id="5" name="标题 4">
-            <a:extLst>
-              <a:ext uri="{FF2B5EF4-FFF2-40B4-BE49-F238E27FC236}">
-                <a16:creationId xmlns:a16="http://schemas.microsoft.com/office/drawing/2014/main" id="{85ECBE25-C125-E44A-B1BD-6412074DB88A}"/>
-              </a:ext>
-            </a:extLst>
-          </p:cNvPr>
-          <p:cNvSpPr>
-            <a:spLocks noGrp="1"/>
-          </p:cNvSpPr>
-          <p:nvPr>
-            <p:ph type="title"/>
-          </p:nvPr>
-        </p:nvSpPr>
-        <p:spPr/>
-        <p:txBody>
-          <a:bodyPr/>
-          <a:lstStyle/>
-          <a:p>
-            <a:r>
-              <a:rPr kumimoji="1" lang="en-US" altLang="zh-CN" dirty="0"/>
-              <a:t>SIFT——</a:t>
-            </a:r>
-            <a:r>
-              <a:rPr kumimoji="1" lang="zh-CN" altLang="en-US" dirty="0"/>
-              <a:t>极值点的定位</a:t>
-            </a:r>
-          </a:p>
-        </p:txBody>
-      </p:sp>
       <p:pic>
         <p:nvPicPr>
           <p:cNvPr id="3" name="图片 2">
@@ -9954,6 +10600,40 @@
           </a:prstGeom>
         </p:spPr>
       </p:pic>
+      <p:sp>
+        <p:nvSpPr>
+          <p:cNvPr id="6" name="标题 4">
+            <a:extLst>
+              <a:ext uri="{FF2B5EF4-FFF2-40B4-BE49-F238E27FC236}">
+                <a16:creationId xmlns:a16="http://schemas.microsoft.com/office/drawing/2014/main" id="{657A3BC0-C484-704B-B03C-6138A0072C80}"/>
+              </a:ext>
+            </a:extLst>
+          </p:cNvPr>
+          <p:cNvSpPr>
+            <a:spLocks noGrp="1"/>
+          </p:cNvSpPr>
+          <p:nvPr>
+            <p:ph type="title"/>
+          </p:nvPr>
+        </p:nvSpPr>
+        <p:spPr>
+          <a:xfrm>
+            <a:off x="1355835" y="136525"/>
+            <a:ext cx="5495540" cy="877722"/>
+          </a:xfrm>
+        </p:spPr>
+        <p:txBody>
+          <a:bodyPr/>
+          <a:lstStyle/>
+          <a:p>
+            <a:r>
+              <a:rPr kumimoji="1" lang="en-US" altLang="zh-CN" dirty="0"/>
+              <a:t>SIFT —— Localizing Extrema</a:t>
+            </a:r>
+            <a:endParaRPr kumimoji="1" lang="zh-CN" altLang="en-US" dirty="0"/>
+          </a:p>
+        </p:txBody>
+      </p:sp>
     </p:spTree>
     <p:extLst>
       <p:ext uri="{BB962C8B-B14F-4D97-AF65-F5344CB8AC3E}">
@@ -10000,19 +10680,21 @@
             <p:ph type="title"/>
           </p:nvPr>
         </p:nvSpPr>
-        <p:spPr/>
+        <p:spPr>
+          <a:xfrm>
+            <a:off x="1355834" y="136525"/>
+            <a:ext cx="5508792" cy="877722"/>
+          </a:xfrm>
+        </p:spPr>
         <p:txBody>
           <a:bodyPr/>
           <a:lstStyle/>
           <a:p>
             <a:r>
               <a:rPr kumimoji="1" lang="en-US" altLang="zh-CN" dirty="0"/>
-              <a:t>SIFT——</a:t>
-            </a:r>
-            <a:r>
-              <a:rPr kumimoji="1" lang="zh-CN" altLang="en-US" dirty="0"/>
-              <a:t>极值点的定位</a:t>
-            </a:r>
+              <a:t>SIFT —— Localizing Extrema</a:t>
+            </a:r>
+            <a:endParaRPr kumimoji="1" lang="zh-CN" altLang="en-US" dirty="0"/>
           </a:p>
         </p:txBody>
       </p:sp>
@@ -10030,8 +10712,8 @@
         </p:nvSpPr>
         <p:spPr>
           <a:xfrm>
-            <a:off x="9153525" y="390720"/>
-            <a:ext cx="1338828" cy="369332"/>
+            <a:off x="7536528" y="390720"/>
+            <a:ext cx="2948243" cy="369332"/>
           </a:xfrm>
           <a:prstGeom prst="rect">
             <a:avLst/>
@@ -10044,13 +10726,13 @@
           <a:lstStyle/>
           <a:p>
             <a:r>
-              <a:rPr lang="zh-CN" altLang="en-US" b="1" dirty="0">
+              <a:rPr lang="en-US" altLang="zh-CN" b="1" dirty="0">
                 <a:solidFill>
                   <a:srgbClr val="333333"/>
                 </a:solidFill>
                 <a:latin typeface="Georgia" panose="02040502050405020303" pitchFamily="18" charset="0"/>
               </a:rPr>
-              <a:t>子像元插值</a:t>
+              <a:t>Sub-pixel interpolation</a:t>
             </a:r>
             <a:endParaRPr lang="zh-CN" altLang="en-US" b="1" i="0" dirty="0">
               <a:solidFill>
@@ -10122,84 +10804,6 @@
           <a:chExt cx="0" cy="0"/>
         </a:xfrm>
       </p:grpSpPr>
-      <p:sp>
-        <p:nvSpPr>
-          <p:cNvPr id="5" name="标题 4">
-            <a:extLst>
-              <a:ext uri="{FF2B5EF4-FFF2-40B4-BE49-F238E27FC236}">
-                <a16:creationId xmlns:a16="http://schemas.microsoft.com/office/drawing/2014/main" id="{85ECBE25-C125-E44A-B1BD-6412074DB88A}"/>
-              </a:ext>
-            </a:extLst>
-          </p:cNvPr>
-          <p:cNvSpPr>
-            <a:spLocks noGrp="1"/>
-          </p:cNvSpPr>
-          <p:nvPr>
-            <p:ph type="title"/>
-          </p:nvPr>
-        </p:nvSpPr>
-        <p:spPr/>
-        <p:txBody>
-          <a:bodyPr/>
-          <a:lstStyle/>
-          <a:p>
-            <a:r>
-              <a:rPr kumimoji="1" lang="en-US" altLang="zh-CN" dirty="0"/>
-              <a:t>SIFT——</a:t>
-            </a:r>
-            <a:r>
-              <a:rPr kumimoji="1" lang="zh-CN" altLang="en-US" dirty="0"/>
-              <a:t>极值点的定位</a:t>
-            </a:r>
-          </a:p>
-        </p:txBody>
-      </p:sp>
-      <p:sp>
-        <p:nvSpPr>
-          <p:cNvPr id="2" name="矩形 1">
-            <a:extLst>
-              <a:ext uri="{FF2B5EF4-FFF2-40B4-BE49-F238E27FC236}">
-                <a16:creationId xmlns:a16="http://schemas.microsoft.com/office/drawing/2014/main" id="{77565732-E46C-9F4D-B746-3BA9FAFB0431}"/>
-              </a:ext>
-            </a:extLst>
-          </p:cNvPr>
-          <p:cNvSpPr/>
-          <p:nvPr/>
-        </p:nvSpPr>
-        <p:spPr>
-          <a:xfrm>
-            <a:off x="9084313" y="390720"/>
-            <a:ext cx="1338828" cy="369332"/>
-          </a:xfrm>
-          <a:prstGeom prst="rect">
-            <a:avLst/>
-          </a:prstGeom>
-        </p:spPr>
-        <p:txBody>
-          <a:bodyPr wrap="none">
-            <a:spAutoFit/>
-          </a:bodyPr>
-          <a:lstStyle/>
-          <a:p>
-            <a:r>
-              <a:rPr lang="zh-CN" altLang="en-US" b="1" dirty="0">
-                <a:solidFill>
-                  <a:srgbClr val="333333"/>
-                </a:solidFill>
-                <a:latin typeface="Georgia" panose="02040502050405020303" pitchFamily="18" charset="0"/>
-              </a:rPr>
-              <a:t>子像元插值</a:t>
-            </a:r>
-            <a:endParaRPr lang="zh-CN" altLang="en-US" b="1" i="0" dirty="0">
-              <a:solidFill>
-                <a:srgbClr val="333333"/>
-              </a:solidFill>
-              <a:effectLst/>
-              <a:latin typeface="Georgia" panose="02040502050405020303" pitchFamily="18" charset="0"/>
-            </a:endParaRPr>
-          </a:p>
-        </p:txBody>
-      </p:sp>
       <p:pic>
         <p:nvPicPr>
           <p:cNvPr id="3" name="图片 2">
@@ -10304,8 +10908,8 @@
         </p:nvSpPr>
         <p:spPr>
           <a:xfrm>
-            <a:off x="6070875" y="3904096"/>
-            <a:ext cx="4622416" cy="369332"/>
+            <a:off x="6475511" y="4088762"/>
+            <a:ext cx="3894760" cy="646331"/>
           </a:xfrm>
           <a:prstGeom prst="rect">
             <a:avLst/>
@@ -10319,9 +10923,90 @@
           <a:lstStyle/>
           <a:p>
             <a:r>
-              <a:rPr kumimoji="1" lang="zh-CN" altLang="en-US" dirty="0"/>
-              <a:t>求导，代入，得到新的表达式的迭代过程</a:t>
-            </a:r>
+              <a:rPr kumimoji="1" lang="en-US" altLang="zh-CN" dirty="0"/>
+              <a:t>Derivation, substitution, iterative process to get new expression</a:t>
+            </a:r>
+            <a:endParaRPr kumimoji="1" lang="zh-CN" altLang="en-US" dirty="0"/>
+          </a:p>
+        </p:txBody>
+      </p:sp>
+      <p:sp>
+        <p:nvSpPr>
+          <p:cNvPr id="10" name="标题 4">
+            <a:extLst>
+              <a:ext uri="{FF2B5EF4-FFF2-40B4-BE49-F238E27FC236}">
+                <a16:creationId xmlns:a16="http://schemas.microsoft.com/office/drawing/2014/main" id="{DDBBD0AF-16A9-EE4A-93A4-7A90E2ABB6BC}"/>
+              </a:ext>
+            </a:extLst>
+          </p:cNvPr>
+          <p:cNvSpPr>
+            <a:spLocks noGrp="1"/>
+          </p:cNvSpPr>
+          <p:nvPr>
+            <p:ph type="title"/>
+          </p:nvPr>
+        </p:nvSpPr>
+        <p:spPr>
+          <a:xfrm>
+            <a:off x="1355834" y="136525"/>
+            <a:ext cx="5508792" cy="877722"/>
+          </a:xfrm>
+        </p:spPr>
+        <p:txBody>
+          <a:bodyPr/>
+          <a:lstStyle/>
+          <a:p>
+            <a:r>
+              <a:rPr kumimoji="1" lang="en-US" altLang="zh-CN" dirty="0"/>
+              <a:t>SIFT —— Localizing Extrema</a:t>
+            </a:r>
+            <a:endParaRPr kumimoji="1" lang="zh-CN" altLang="en-US" dirty="0"/>
+          </a:p>
+        </p:txBody>
+      </p:sp>
+      <p:sp>
+        <p:nvSpPr>
+          <p:cNvPr id="11" name="矩形 10">
+            <a:extLst>
+              <a:ext uri="{FF2B5EF4-FFF2-40B4-BE49-F238E27FC236}">
+                <a16:creationId xmlns:a16="http://schemas.microsoft.com/office/drawing/2014/main" id="{4C0BE0DF-6D17-1546-A0DD-48B153BEAA89}"/>
+              </a:ext>
+            </a:extLst>
+          </p:cNvPr>
+          <p:cNvSpPr/>
+          <p:nvPr/>
+        </p:nvSpPr>
+        <p:spPr>
+          <a:xfrm>
+            <a:off x="7536528" y="390720"/>
+            <a:ext cx="2948243" cy="369332"/>
+          </a:xfrm>
+          <a:prstGeom prst="rect">
+            <a:avLst/>
+          </a:prstGeom>
+        </p:spPr>
+        <p:txBody>
+          <a:bodyPr wrap="none">
+            <a:spAutoFit/>
+          </a:bodyPr>
+          <a:lstStyle/>
+          <a:p>
+            <a:r>
+              <a:rPr lang="en-US" altLang="zh-CN" b="1" dirty="0">
+                <a:solidFill>
+                  <a:srgbClr val="333333"/>
+                </a:solidFill>
+                <a:latin typeface="Georgia" panose="02040502050405020303" pitchFamily="18" charset="0"/>
+              </a:rPr>
+              <a:t>Sub-pixel interpolation</a:t>
+            </a:r>
+            <a:endParaRPr lang="zh-CN" altLang="en-US" b="1" i="0" dirty="0">
+              <a:solidFill>
+                <a:srgbClr val="333333"/>
+              </a:solidFill>
+              <a:effectLst/>
+              <a:latin typeface="Georgia" panose="02040502050405020303" pitchFamily="18" charset="0"/>
+            </a:endParaRPr>
           </a:p>
         </p:txBody>
       </p:sp>
@@ -10371,19 +11056,21 @@
             <p:ph type="title"/>
           </p:nvPr>
         </p:nvSpPr>
-        <p:spPr/>
+        <p:spPr>
+          <a:xfrm>
+            <a:off x="1355834" y="136525"/>
+            <a:ext cx="5522044" cy="877722"/>
+          </a:xfrm>
+        </p:spPr>
         <p:txBody>
           <a:bodyPr/>
           <a:lstStyle/>
           <a:p>
             <a:r>
               <a:rPr kumimoji="1" lang="en-US" altLang="zh-CN" dirty="0"/>
-              <a:t>SIFT——</a:t>
-            </a:r>
-            <a:r>
-              <a:rPr kumimoji="1" lang="zh-CN" altLang="en-US" dirty="0"/>
-              <a:t>极值点的定位</a:t>
-            </a:r>
+              <a:t>SIFT —— Localizing Extrema</a:t>
+            </a:r>
+            <a:endParaRPr kumimoji="1" lang="zh-CN" altLang="en-US" dirty="0"/>
           </a:p>
         </p:txBody>
       </p:sp>
@@ -10416,16 +11103,16 @@
           <a:lstStyle/>
           <a:p>
             <a:r>
-              <a:rPr lang="zh-CN" altLang="en-US" dirty="0"/>
-              <a:t>一个平坦的</a:t>
+              <a:rPr lang="en-US" altLang="zh-CN" dirty="0"/>
+              <a:t>A flat </a:t>
             </a:r>
             <a:r>
               <a:rPr lang="en-US" altLang="zh-CN" dirty="0" err="1"/>
               <a:t>DoG</a:t>
             </a:r>
             <a:r>
-              <a:rPr lang="zh-CN" altLang="en-US" dirty="0"/>
-              <a:t>响应峰值往往在横跨边缘的地方有较大的主曲率，而在垂直边缘的方向有较小的主曲率。</a:t>
+              <a:rPr lang="en-US" altLang="zh-CN" dirty="0"/>
+              <a:t> response peak tends to have a larger main curvature across the edge and a smaller main curvature in the direction of the vertical edge.</a:t>
             </a:r>
             <a:endParaRPr kumimoji="1" lang="zh-CN" altLang="en-US" dirty="0"/>
           </a:p>
@@ -10445,8 +11132,8 @@
         </p:nvSpPr>
         <p:spPr>
           <a:xfrm>
-            <a:off x="8841425" y="390720"/>
-            <a:ext cx="1569660" cy="369332"/>
+            <a:off x="8120479" y="390720"/>
+            <a:ext cx="2529860" cy="369332"/>
           </a:xfrm>
           <a:prstGeom prst="rect">
             <a:avLst/>
@@ -10459,13 +11146,13 @@
           <a:lstStyle/>
           <a:p>
             <a:r>
-              <a:rPr lang="zh-CN" altLang="en-US" b="1" dirty="0">
+              <a:rPr lang="en-US" altLang="zh-CN" b="1" dirty="0">
                 <a:solidFill>
                   <a:srgbClr val="333333"/>
                 </a:solidFill>
                 <a:latin typeface="Georgia" panose="02040502050405020303" pitchFamily="18" charset="0"/>
               </a:rPr>
-              <a:t>边缘效应删除</a:t>
+              <a:t>Edge effect removal</a:t>
             </a:r>
             <a:endParaRPr lang="zh-CN" altLang="en-US" b="1" i="0" dirty="0">
               <a:solidFill>

--- a/Panorama-Stitching-base-on-SIFT/pre/SIFT.pptx
+++ b/Panorama-Stitching-base-on-SIFT/pre/SIFT.pptx
@@ -6490,92 +6490,6 @@
           <a:p>
             <a:pPr algn="ctr"/>
             <a:endParaRPr kumimoji="1" lang="zh-CN" altLang="en-US"/>
-          </a:p>
-        </p:txBody>
-      </p:sp>
-      <p:sp>
-        <p:nvSpPr>
-          <p:cNvPr id="14" name="文本框 13">
-            <a:extLst>
-              <a:ext uri="{FF2B5EF4-FFF2-40B4-BE49-F238E27FC236}">
-                <a16:creationId xmlns:a16="http://schemas.microsoft.com/office/drawing/2014/main" id="{7BED08B3-A35D-FE46-B494-C098098540B9}"/>
-              </a:ext>
-            </a:extLst>
-          </p:cNvPr>
-          <p:cNvSpPr txBox="1"/>
-          <p:nvPr userDrawn="1"/>
-        </p:nvSpPr>
-        <p:spPr>
-          <a:xfrm>
-            <a:off x="8588189" y="6183685"/>
-            <a:ext cx="3953435" cy="670953"/>
-          </a:xfrm>
-          <a:prstGeom prst="rect">
-            <a:avLst/>
-          </a:prstGeom>
-          <a:noFill/>
-        </p:spPr>
-        <p:txBody>
-          <a:bodyPr wrap="square" rtlCol="0">
-            <a:spAutoFit/>
-          </a:bodyPr>
-          <a:lstStyle/>
-          <a:p>
-            <a:pPr marL="0" marR="0" lvl="0" indent="0" algn="l" defTabSz="914400" rtl="0" eaLnBrk="1" fontAlgn="auto" latinLnBrk="0" hangingPunct="1">
-              <a:lnSpc>
-                <a:spcPct val="90000"/>
-              </a:lnSpc>
-              <a:spcBef>
-                <a:spcPts val="1000"/>
-              </a:spcBef>
-              <a:spcAft>
-                <a:spcPts val="0"/>
-              </a:spcAft>
-              <a:buClrTx/>
-              <a:buSzTx/>
-              <a:buFont typeface="Arial" panose="020B0604020202020204" pitchFamily="34" charset="0"/>
-              <a:buNone/>
-              <a:tabLst/>
-              <a:defRPr/>
-            </a:pPr>
-            <a:r>
-              <a:rPr kumimoji="1" lang="en-US" altLang="zh-CN" sz="2400" b="0" i="0" u="none" strike="noStrike" kern="1200" cap="none" spc="0" normalizeH="0" baseline="0" noProof="0" dirty="0">
-                <a:ln>
-                  <a:noFill/>
-                </a:ln>
-                <a:solidFill>
-                  <a:schemeClr val="bg1"/>
-                </a:solidFill>
-                <a:effectLst/>
-                <a:uLnTx/>
-                <a:uFillTx/>
-                <a:latin typeface="+mn-lt"/>
-                <a:ea typeface="+mn-ea"/>
-                <a:cs typeface="+mn-cs"/>
-              </a:rPr>
-              <a:t>Zhe ZHANG, SSE, 2020</a:t>
-            </a:r>
-            <a:endParaRPr kumimoji="1" lang="zh-CN" altLang="en-US" sz="2400" b="0" i="0" u="none" strike="noStrike" kern="1200" cap="none" spc="0" normalizeH="0" baseline="0" noProof="0" dirty="0">
-              <a:ln>
-                <a:noFill/>
-              </a:ln>
-              <a:solidFill>
-                <a:schemeClr val="bg1"/>
-              </a:solidFill>
-              <a:effectLst/>
-              <a:uLnTx/>
-              <a:uFillTx/>
-              <a:latin typeface="+mn-lt"/>
-              <a:ea typeface="+mn-ea"/>
-              <a:cs typeface="+mn-cs"/>
-            </a:endParaRPr>
-          </a:p>
-          <a:p>
-            <a:endParaRPr kumimoji="1" lang="zh-CN" altLang="en-US" sz="1600" dirty="0">
-              <a:solidFill>
-                <a:schemeClr val="bg1"/>
-              </a:solidFill>
-            </a:endParaRPr>
           </a:p>
         </p:txBody>
       </p:sp>
